--- a/presentation/junitsmall.pptx
+++ b/presentation/junitsmall.pptx
@@ -258,7 +258,7 @@
           </a:bodyPr>
           <a:p>
             <a:pPr algn="r"/>
-            <a:fld id="{1790E34D-676C-4833-84AD-2FE6CDC147A8}" type="slidenum">
+            <a:fld id="{0163A6E5-A502-4623-9043-0BC5FF18D817}" type="slidenum">
               <a:rPr b="0" lang="ru-RU" sz="1400" spc="-1" strike="noStrike">
                 <a:latin typeface="Times New Roman"/>
               </a:rPr>
@@ -306,7 +306,7 @@
         <p:spPr>
           <a:xfrm>
             <a:off x="381240" y="685800"/>
-            <a:ext cx="6095160" cy="3428280"/>
+            <a:ext cx="6094800" cy="3427920"/>
           </a:xfrm>
           <a:prstGeom prst="rect">
             <a:avLst/>
@@ -326,7 +326,7 @@
         <p:spPr>
           <a:xfrm>
             <a:off x="685800" y="4343400"/>
-            <a:ext cx="5485680" cy="4114080"/>
+            <a:ext cx="5485320" cy="4113720"/>
           </a:xfrm>
           <a:prstGeom prst="rect">
             <a:avLst/>
@@ -337,7 +337,7 @@
             <a:noAutofit/>
           </a:bodyPr>
           <a:p>
-            <a:pPr marL="216000" indent="-216000">
+            <a:pPr marL="216000" indent="-215640">
               <a:lnSpc>
                 <a:spcPct val="100000"/>
               </a:lnSpc>
@@ -392,7 +392,7 @@
         <p:spPr>
           <a:xfrm>
             <a:off x="381240" y="685800"/>
-            <a:ext cx="6095160" cy="3428280"/>
+            <a:ext cx="6094800" cy="3427920"/>
           </a:xfrm>
           <a:prstGeom prst="rect">
             <a:avLst/>
@@ -412,7 +412,7 @@
         <p:spPr>
           <a:xfrm>
             <a:off x="685800" y="4343400"/>
-            <a:ext cx="5485680" cy="4114080"/>
+            <a:ext cx="5485320" cy="4113720"/>
           </a:xfrm>
           <a:prstGeom prst="rect">
             <a:avLst/>
@@ -423,7 +423,7 @@
             <a:noAutofit/>
           </a:bodyPr>
           <a:p>
-            <a:pPr marL="216000" indent="-216000">
+            <a:pPr marL="216000" indent="-215640">
               <a:lnSpc>
                 <a:spcPct val="100000"/>
               </a:lnSpc>
@@ -478,7 +478,7 @@
         <p:spPr>
           <a:xfrm>
             <a:off x="381240" y="685800"/>
-            <a:ext cx="6095160" cy="3428280"/>
+            <a:ext cx="6094800" cy="3427920"/>
           </a:xfrm>
           <a:prstGeom prst="rect">
             <a:avLst/>
@@ -498,7 +498,7 @@
         <p:spPr>
           <a:xfrm>
             <a:off x="685800" y="4343400"/>
-            <a:ext cx="5485680" cy="4114080"/>
+            <a:ext cx="5485320" cy="4113720"/>
           </a:xfrm>
           <a:prstGeom prst="rect">
             <a:avLst/>
@@ -509,7 +509,7 @@
             <a:noAutofit/>
           </a:bodyPr>
           <a:p>
-            <a:pPr marL="216000" indent="-216000">
+            <a:pPr marL="216000" indent="-215640">
               <a:lnSpc>
                 <a:spcPct val="100000"/>
               </a:lnSpc>
@@ -564,7 +564,7 @@
         <p:spPr>
           <a:xfrm>
             <a:off x="381240" y="685800"/>
-            <a:ext cx="6095160" cy="3428280"/>
+            <a:ext cx="6094800" cy="3427920"/>
           </a:xfrm>
           <a:prstGeom prst="rect">
             <a:avLst/>
@@ -584,7 +584,7 @@
         <p:spPr>
           <a:xfrm>
             <a:off x="685800" y="4343400"/>
-            <a:ext cx="5485680" cy="4114080"/>
+            <a:ext cx="5485320" cy="4113720"/>
           </a:xfrm>
           <a:prstGeom prst="rect">
             <a:avLst/>
@@ -595,7 +595,7 @@
             <a:noAutofit/>
           </a:bodyPr>
           <a:p>
-            <a:pPr marL="216000" indent="-216000">
+            <a:pPr marL="216000" indent="-215640">
               <a:lnSpc>
                 <a:spcPct val="100000"/>
               </a:lnSpc>
@@ -650,7 +650,7 @@
         <p:spPr>
           <a:xfrm>
             <a:off x="381240" y="685800"/>
-            <a:ext cx="6095160" cy="3428280"/>
+            <a:ext cx="6094800" cy="3427920"/>
           </a:xfrm>
           <a:prstGeom prst="rect">
             <a:avLst/>
@@ -670,7 +670,7 @@
         <p:spPr>
           <a:xfrm>
             <a:off x="685800" y="4343400"/>
-            <a:ext cx="5485680" cy="4114080"/>
+            <a:ext cx="5485320" cy="4113720"/>
           </a:xfrm>
           <a:prstGeom prst="rect">
             <a:avLst/>
@@ -681,7 +681,7 @@
             <a:noAutofit/>
           </a:bodyPr>
           <a:p>
-            <a:pPr marL="216000" indent="-216000">
+            <a:pPr marL="216000" indent="-215640">
               <a:lnSpc>
                 <a:spcPct val="100000"/>
               </a:lnSpc>
@@ -758,7 +758,7 @@
         <p:spPr>
           <a:xfrm>
             <a:off x="457200" y="205200"/>
-            <a:ext cx="8228880" cy="858240"/>
+            <a:ext cx="8229240" cy="858600"/>
           </a:xfrm>
           <a:prstGeom prst="rect">
             <a:avLst/>
@@ -789,7 +789,7 @@
         <p:spPr>
           <a:xfrm>
             <a:off x="457200" y="1203480"/>
-            <a:ext cx="8228880" cy="1422360"/>
+            <a:ext cx="8229240" cy="1422720"/>
           </a:xfrm>
           <a:prstGeom prst="rect">
             <a:avLst/>
@@ -818,8 +818,8 @@
         </p:nvSpPr>
         <p:spPr>
           <a:xfrm>
-            <a:off x="457200" y="2761200"/>
-            <a:ext cx="8228880" cy="1422360"/>
+            <a:off x="457200" y="2761920"/>
+            <a:ext cx="8229240" cy="1422720"/>
           </a:xfrm>
           <a:prstGeom prst="rect">
             <a:avLst/>
@@ -871,7 +871,7 @@
         <p:spPr>
           <a:xfrm>
             <a:off x="457200" y="205200"/>
-            <a:ext cx="8228880" cy="858240"/>
+            <a:ext cx="8229240" cy="858600"/>
           </a:xfrm>
           <a:prstGeom prst="rect">
             <a:avLst/>
@@ -902,7 +902,7 @@
         <p:spPr>
           <a:xfrm>
             <a:off x="457200" y="1203480"/>
-            <a:ext cx="4015440" cy="1422360"/>
+            <a:ext cx="4015800" cy="1422720"/>
           </a:xfrm>
           <a:prstGeom prst="rect">
             <a:avLst/>
@@ -931,8 +931,8 @@
         </p:nvSpPr>
         <p:spPr>
           <a:xfrm>
-            <a:off x="4673880" y="1203480"/>
-            <a:ext cx="4015440" cy="1422360"/>
+            <a:off x="4674240" y="1203480"/>
+            <a:ext cx="4015800" cy="1422720"/>
           </a:xfrm>
           <a:prstGeom prst="rect">
             <a:avLst/>
@@ -961,8 +961,8 @@
         </p:nvSpPr>
         <p:spPr>
           <a:xfrm>
-            <a:off x="457200" y="2761200"/>
-            <a:ext cx="4015440" cy="1422360"/>
+            <a:off x="457200" y="2761920"/>
+            <a:ext cx="4015800" cy="1422720"/>
           </a:xfrm>
           <a:prstGeom prst="rect">
             <a:avLst/>
@@ -991,8 +991,8 @@
         </p:nvSpPr>
         <p:spPr>
           <a:xfrm>
-            <a:off x="4673880" y="2761200"/>
-            <a:ext cx="4015440" cy="1422360"/>
+            <a:off x="4674240" y="2761920"/>
+            <a:ext cx="4015800" cy="1422720"/>
           </a:xfrm>
           <a:prstGeom prst="rect">
             <a:avLst/>
@@ -1044,7 +1044,7 @@
         <p:spPr>
           <a:xfrm>
             <a:off x="457200" y="205200"/>
-            <a:ext cx="8228880" cy="858240"/>
+            <a:ext cx="8229240" cy="858600"/>
           </a:xfrm>
           <a:prstGeom prst="rect">
             <a:avLst/>
@@ -1075,7 +1075,7 @@
         <p:spPr>
           <a:xfrm>
             <a:off x="457200" y="1203480"/>
-            <a:ext cx="2649600" cy="1422360"/>
+            <a:ext cx="2649600" cy="1422720"/>
           </a:xfrm>
           <a:prstGeom prst="rect">
             <a:avLst/>
@@ -1105,7 +1105,7 @@
         <p:spPr>
           <a:xfrm>
             <a:off x="3239640" y="1203480"/>
-            <a:ext cx="2649600" cy="1422360"/>
+            <a:ext cx="2649600" cy="1422720"/>
           </a:xfrm>
           <a:prstGeom prst="rect">
             <a:avLst/>
@@ -1135,7 +1135,7 @@
         <p:spPr>
           <a:xfrm>
             <a:off x="6022080" y="1203480"/>
-            <a:ext cx="2649600" cy="1422360"/>
+            <a:ext cx="2649600" cy="1422720"/>
           </a:xfrm>
           <a:prstGeom prst="rect">
             <a:avLst/>
@@ -1164,8 +1164,8 @@
         </p:nvSpPr>
         <p:spPr>
           <a:xfrm>
-            <a:off x="457200" y="2761200"/>
-            <a:ext cx="2649600" cy="1422360"/>
+            <a:off x="457200" y="2761920"/>
+            <a:ext cx="2649600" cy="1422720"/>
           </a:xfrm>
           <a:prstGeom prst="rect">
             <a:avLst/>
@@ -1194,8 +1194,8 @@
         </p:nvSpPr>
         <p:spPr>
           <a:xfrm>
-            <a:off x="3239640" y="2761200"/>
-            <a:ext cx="2649600" cy="1422360"/>
+            <a:off x="3239640" y="2761920"/>
+            <a:ext cx="2649600" cy="1422720"/>
           </a:xfrm>
           <a:prstGeom prst="rect">
             <a:avLst/>
@@ -1224,8 +1224,8 @@
         </p:nvSpPr>
         <p:spPr>
           <a:xfrm>
-            <a:off x="6022080" y="2761200"/>
-            <a:ext cx="2649600" cy="1422360"/>
+            <a:off x="6022080" y="2761920"/>
+            <a:ext cx="2649600" cy="1422720"/>
           </a:xfrm>
           <a:prstGeom prst="rect">
             <a:avLst/>
@@ -1299,7 +1299,7 @@
         <p:spPr>
           <a:xfrm>
             <a:off x="457200" y="205200"/>
-            <a:ext cx="8228880" cy="858240"/>
+            <a:ext cx="8229240" cy="858600"/>
           </a:xfrm>
           <a:prstGeom prst="rect">
             <a:avLst/>
@@ -1330,7 +1330,7 @@
         <p:spPr>
           <a:xfrm>
             <a:off x="457200" y="1203480"/>
-            <a:ext cx="8228880" cy="2982600"/>
+            <a:ext cx="8229240" cy="2982960"/>
           </a:xfrm>
           <a:prstGeom prst="rect">
             <a:avLst/>
@@ -1383,7 +1383,7 @@
         <p:spPr>
           <a:xfrm>
             <a:off x="457200" y="205200"/>
-            <a:ext cx="8228880" cy="858240"/>
+            <a:ext cx="8229240" cy="858600"/>
           </a:xfrm>
           <a:prstGeom prst="rect">
             <a:avLst/>
@@ -1414,7 +1414,7 @@
         <p:spPr>
           <a:xfrm>
             <a:off x="457200" y="1203480"/>
-            <a:ext cx="8228880" cy="2982600"/>
+            <a:ext cx="8229240" cy="2982960"/>
           </a:xfrm>
           <a:prstGeom prst="rect">
             <a:avLst/>
@@ -1466,7 +1466,7 @@
         <p:spPr>
           <a:xfrm>
             <a:off x="457200" y="205200"/>
-            <a:ext cx="8228880" cy="858240"/>
+            <a:ext cx="8229240" cy="858600"/>
           </a:xfrm>
           <a:prstGeom prst="rect">
             <a:avLst/>
@@ -1497,7 +1497,7 @@
         <p:spPr>
           <a:xfrm>
             <a:off x="457200" y="1203480"/>
-            <a:ext cx="4015440" cy="2982600"/>
+            <a:ext cx="4015800" cy="2982960"/>
           </a:xfrm>
           <a:prstGeom prst="rect">
             <a:avLst/>
@@ -1526,8 +1526,8 @@
         </p:nvSpPr>
         <p:spPr>
           <a:xfrm>
-            <a:off x="4673880" y="1203480"/>
-            <a:ext cx="4015440" cy="2982600"/>
+            <a:off x="4674240" y="1203480"/>
+            <a:ext cx="4015800" cy="2982960"/>
           </a:xfrm>
           <a:prstGeom prst="rect">
             <a:avLst/>
@@ -1579,7 +1579,7 @@
         <p:spPr>
           <a:xfrm>
             <a:off x="457200" y="205200"/>
-            <a:ext cx="8228880" cy="858240"/>
+            <a:ext cx="8229240" cy="858600"/>
           </a:xfrm>
           <a:prstGeom prst="rect">
             <a:avLst/>
@@ -1632,7 +1632,7 @@
         <p:spPr>
           <a:xfrm>
             <a:off x="457200" y="205200"/>
-            <a:ext cx="8228880" cy="3979440"/>
+            <a:ext cx="8229240" cy="3981240"/>
           </a:xfrm>
           <a:prstGeom prst="rect">
             <a:avLst/>
@@ -1685,7 +1685,7 @@
         <p:spPr>
           <a:xfrm>
             <a:off x="457200" y="205200"/>
-            <a:ext cx="8228880" cy="858240"/>
+            <a:ext cx="8229240" cy="858600"/>
           </a:xfrm>
           <a:prstGeom prst="rect">
             <a:avLst/>
@@ -1716,7 +1716,7 @@
         <p:spPr>
           <a:xfrm>
             <a:off x="457200" y="1203480"/>
-            <a:ext cx="4015440" cy="1422360"/>
+            <a:ext cx="4015800" cy="1422720"/>
           </a:xfrm>
           <a:prstGeom prst="rect">
             <a:avLst/>
@@ -1745,8 +1745,8 @@
         </p:nvSpPr>
         <p:spPr>
           <a:xfrm>
-            <a:off x="4673880" y="1203480"/>
-            <a:ext cx="4015440" cy="2982600"/>
+            <a:off x="4674240" y="1203480"/>
+            <a:ext cx="4015800" cy="2982960"/>
           </a:xfrm>
           <a:prstGeom prst="rect">
             <a:avLst/>
@@ -1775,8 +1775,8 @@
         </p:nvSpPr>
         <p:spPr>
           <a:xfrm>
-            <a:off x="457200" y="2761200"/>
-            <a:ext cx="4015440" cy="1422360"/>
+            <a:off x="457200" y="2761920"/>
+            <a:ext cx="4015800" cy="1422720"/>
           </a:xfrm>
           <a:prstGeom prst="rect">
             <a:avLst/>
@@ -1828,7 +1828,7 @@
         <p:spPr>
           <a:xfrm>
             <a:off x="457200" y="205200"/>
-            <a:ext cx="8228880" cy="858240"/>
+            <a:ext cx="8229240" cy="858600"/>
           </a:xfrm>
           <a:prstGeom prst="rect">
             <a:avLst/>
@@ -1859,7 +1859,7 @@
         <p:spPr>
           <a:xfrm>
             <a:off x="457200" y="1203480"/>
-            <a:ext cx="8228880" cy="2982600"/>
+            <a:ext cx="8229240" cy="2982960"/>
           </a:xfrm>
           <a:prstGeom prst="rect">
             <a:avLst/>
@@ -1912,7 +1912,7 @@
         <p:spPr>
           <a:xfrm>
             <a:off x="457200" y="205200"/>
-            <a:ext cx="8228880" cy="858240"/>
+            <a:ext cx="8229240" cy="858600"/>
           </a:xfrm>
           <a:prstGeom prst="rect">
             <a:avLst/>
@@ -1943,7 +1943,7 @@
         <p:spPr>
           <a:xfrm>
             <a:off x="457200" y="1203480"/>
-            <a:ext cx="4015440" cy="2982600"/>
+            <a:ext cx="4015800" cy="2982960"/>
           </a:xfrm>
           <a:prstGeom prst="rect">
             <a:avLst/>
@@ -1972,8 +1972,8 @@
         </p:nvSpPr>
         <p:spPr>
           <a:xfrm>
-            <a:off x="4673880" y="1203480"/>
-            <a:ext cx="4015440" cy="1422360"/>
+            <a:off x="4674240" y="1203480"/>
+            <a:ext cx="4015800" cy="1422720"/>
           </a:xfrm>
           <a:prstGeom prst="rect">
             <a:avLst/>
@@ -2002,8 +2002,8 @@
         </p:nvSpPr>
         <p:spPr>
           <a:xfrm>
-            <a:off x="4673880" y="2761200"/>
-            <a:ext cx="4015440" cy="1422360"/>
+            <a:off x="4674240" y="2761920"/>
+            <a:ext cx="4015800" cy="1422720"/>
           </a:xfrm>
           <a:prstGeom prst="rect">
             <a:avLst/>
@@ -2055,7 +2055,7 @@
         <p:spPr>
           <a:xfrm>
             <a:off x="457200" y="205200"/>
-            <a:ext cx="8228880" cy="858240"/>
+            <a:ext cx="8229240" cy="858600"/>
           </a:xfrm>
           <a:prstGeom prst="rect">
             <a:avLst/>
@@ -2086,7 +2086,7 @@
         <p:spPr>
           <a:xfrm>
             <a:off x="457200" y="1203480"/>
-            <a:ext cx="4015440" cy="1422360"/>
+            <a:ext cx="4015800" cy="1422720"/>
           </a:xfrm>
           <a:prstGeom prst="rect">
             <a:avLst/>
@@ -2115,8 +2115,8 @@
         </p:nvSpPr>
         <p:spPr>
           <a:xfrm>
-            <a:off x="4673880" y="1203480"/>
-            <a:ext cx="4015440" cy="1422360"/>
+            <a:off x="4674240" y="1203480"/>
+            <a:ext cx="4015800" cy="1422720"/>
           </a:xfrm>
           <a:prstGeom prst="rect">
             <a:avLst/>
@@ -2145,8 +2145,8 @@
         </p:nvSpPr>
         <p:spPr>
           <a:xfrm>
-            <a:off x="457200" y="2761200"/>
-            <a:ext cx="8228880" cy="1422360"/>
+            <a:off x="457200" y="2761920"/>
+            <a:ext cx="8229240" cy="1422720"/>
           </a:xfrm>
           <a:prstGeom prst="rect">
             <a:avLst/>
@@ -2198,7 +2198,7 @@
         <p:spPr>
           <a:xfrm>
             <a:off x="457200" y="205200"/>
-            <a:ext cx="8228880" cy="858240"/>
+            <a:ext cx="8229240" cy="858600"/>
           </a:xfrm>
           <a:prstGeom prst="rect">
             <a:avLst/>
@@ -2229,7 +2229,7 @@
         <p:spPr>
           <a:xfrm>
             <a:off x="457200" y="1203480"/>
-            <a:ext cx="8228880" cy="1422360"/>
+            <a:ext cx="8229240" cy="1422720"/>
           </a:xfrm>
           <a:prstGeom prst="rect">
             <a:avLst/>
@@ -2258,8 +2258,8 @@
         </p:nvSpPr>
         <p:spPr>
           <a:xfrm>
-            <a:off x="457200" y="2761200"/>
-            <a:ext cx="8228880" cy="1422360"/>
+            <a:off x="457200" y="2761920"/>
+            <a:ext cx="8229240" cy="1422720"/>
           </a:xfrm>
           <a:prstGeom prst="rect">
             <a:avLst/>
@@ -2311,7 +2311,7 @@
         <p:spPr>
           <a:xfrm>
             <a:off x="457200" y="205200"/>
-            <a:ext cx="8228880" cy="858240"/>
+            <a:ext cx="8229240" cy="858600"/>
           </a:xfrm>
           <a:prstGeom prst="rect">
             <a:avLst/>
@@ -2342,7 +2342,7 @@
         <p:spPr>
           <a:xfrm>
             <a:off x="457200" y="1203480"/>
-            <a:ext cx="4015440" cy="1422360"/>
+            <a:ext cx="4015800" cy="1422720"/>
           </a:xfrm>
           <a:prstGeom prst="rect">
             <a:avLst/>
@@ -2371,8 +2371,8 @@
         </p:nvSpPr>
         <p:spPr>
           <a:xfrm>
-            <a:off x="4673880" y="1203480"/>
-            <a:ext cx="4015440" cy="1422360"/>
+            <a:off x="4674240" y="1203480"/>
+            <a:ext cx="4015800" cy="1422720"/>
           </a:xfrm>
           <a:prstGeom prst="rect">
             <a:avLst/>
@@ -2401,8 +2401,8 @@
         </p:nvSpPr>
         <p:spPr>
           <a:xfrm>
-            <a:off x="457200" y="2761200"/>
-            <a:ext cx="4015440" cy="1422360"/>
+            <a:off x="457200" y="2761920"/>
+            <a:ext cx="4015800" cy="1422720"/>
           </a:xfrm>
           <a:prstGeom prst="rect">
             <a:avLst/>
@@ -2431,8 +2431,8 @@
         </p:nvSpPr>
         <p:spPr>
           <a:xfrm>
-            <a:off x="4673880" y="2761200"/>
-            <a:ext cx="4015440" cy="1422360"/>
+            <a:off x="4674240" y="2761920"/>
+            <a:ext cx="4015800" cy="1422720"/>
           </a:xfrm>
           <a:prstGeom prst="rect">
             <a:avLst/>
@@ -2484,7 +2484,7 @@
         <p:spPr>
           <a:xfrm>
             <a:off x="457200" y="205200"/>
-            <a:ext cx="8228880" cy="858240"/>
+            <a:ext cx="8229240" cy="858600"/>
           </a:xfrm>
           <a:prstGeom prst="rect">
             <a:avLst/>
@@ -2515,7 +2515,7 @@
         <p:spPr>
           <a:xfrm>
             <a:off x="457200" y="1203480"/>
-            <a:ext cx="2649600" cy="1422360"/>
+            <a:ext cx="2649600" cy="1422720"/>
           </a:xfrm>
           <a:prstGeom prst="rect">
             <a:avLst/>
@@ -2545,7 +2545,7 @@
         <p:spPr>
           <a:xfrm>
             <a:off x="3239640" y="1203480"/>
-            <a:ext cx="2649600" cy="1422360"/>
+            <a:ext cx="2649600" cy="1422720"/>
           </a:xfrm>
           <a:prstGeom prst="rect">
             <a:avLst/>
@@ -2575,7 +2575,7 @@
         <p:spPr>
           <a:xfrm>
             <a:off x="6022080" y="1203480"/>
-            <a:ext cx="2649600" cy="1422360"/>
+            <a:ext cx="2649600" cy="1422720"/>
           </a:xfrm>
           <a:prstGeom prst="rect">
             <a:avLst/>
@@ -2604,8 +2604,8 @@
         </p:nvSpPr>
         <p:spPr>
           <a:xfrm>
-            <a:off x="457200" y="2761200"/>
-            <a:ext cx="2649600" cy="1422360"/>
+            <a:off x="457200" y="2761920"/>
+            <a:ext cx="2649600" cy="1422720"/>
           </a:xfrm>
           <a:prstGeom prst="rect">
             <a:avLst/>
@@ -2634,8 +2634,8 @@
         </p:nvSpPr>
         <p:spPr>
           <a:xfrm>
-            <a:off x="3239640" y="2761200"/>
-            <a:ext cx="2649600" cy="1422360"/>
+            <a:off x="3239640" y="2761920"/>
+            <a:ext cx="2649600" cy="1422720"/>
           </a:xfrm>
           <a:prstGeom prst="rect">
             <a:avLst/>
@@ -2664,8 +2664,8 @@
         </p:nvSpPr>
         <p:spPr>
           <a:xfrm>
-            <a:off x="6022080" y="2761200"/>
-            <a:ext cx="2649600" cy="1422360"/>
+            <a:off x="6022080" y="2761920"/>
+            <a:ext cx="2649600" cy="1422720"/>
           </a:xfrm>
           <a:prstGeom prst="rect">
             <a:avLst/>
@@ -2739,7 +2739,7 @@
         <p:spPr>
           <a:xfrm>
             <a:off x="457200" y="205200"/>
-            <a:ext cx="8228880" cy="858240"/>
+            <a:ext cx="8229240" cy="858600"/>
           </a:xfrm>
           <a:prstGeom prst="rect">
             <a:avLst/>
@@ -2770,7 +2770,7 @@
         <p:spPr>
           <a:xfrm>
             <a:off x="457200" y="1203480"/>
-            <a:ext cx="8228880" cy="2982600"/>
+            <a:ext cx="8229240" cy="2982960"/>
           </a:xfrm>
           <a:prstGeom prst="rect">
             <a:avLst/>
@@ -2823,7 +2823,7 @@
         <p:spPr>
           <a:xfrm>
             <a:off x="457200" y="205200"/>
-            <a:ext cx="8228880" cy="858240"/>
+            <a:ext cx="8229240" cy="858600"/>
           </a:xfrm>
           <a:prstGeom prst="rect">
             <a:avLst/>
@@ -2854,7 +2854,7 @@
         <p:spPr>
           <a:xfrm>
             <a:off x="457200" y="1203480"/>
-            <a:ext cx="8228880" cy="2982600"/>
+            <a:ext cx="8229240" cy="2982960"/>
           </a:xfrm>
           <a:prstGeom prst="rect">
             <a:avLst/>
@@ -2906,7 +2906,7 @@
         <p:spPr>
           <a:xfrm>
             <a:off x="457200" y="205200"/>
-            <a:ext cx="8228880" cy="858240"/>
+            <a:ext cx="8229240" cy="858600"/>
           </a:xfrm>
           <a:prstGeom prst="rect">
             <a:avLst/>
@@ -2937,7 +2937,7 @@
         <p:spPr>
           <a:xfrm>
             <a:off x="457200" y="1203480"/>
-            <a:ext cx="4015440" cy="2982600"/>
+            <a:ext cx="4015800" cy="2982960"/>
           </a:xfrm>
           <a:prstGeom prst="rect">
             <a:avLst/>
@@ -2966,8 +2966,8 @@
         </p:nvSpPr>
         <p:spPr>
           <a:xfrm>
-            <a:off x="4673880" y="1203480"/>
-            <a:ext cx="4015440" cy="2982600"/>
+            <a:off x="4674240" y="1203480"/>
+            <a:ext cx="4015800" cy="2982960"/>
           </a:xfrm>
           <a:prstGeom prst="rect">
             <a:avLst/>
@@ -3019,7 +3019,7 @@
         <p:spPr>
           <a:xfrm>
             <a:off x="457200" y="205200"/>
-            <a:ext cx="8228880" cy="858240"/>
+            <a:ext cx="8229240" cy="858600"/>
           </a:xfrm>
           <a:prstGeom prst="rect">
             <a:avLst/>
@@ -3072,7 +3072,7 @@
         <p:spPr>
           <a:xfrm>
             <a:off x="457200" y="205200"/>
-            <a:ext cx="8228880" cy="858240"/>
+            <a:ext cx="8229240" cy="858600"/>
           </a:xfrm>
           <a:prstGeom prst="rect">
             <a:avLst/>
@@ -3103,7 +3103,7 @@
         <p:spPr>
           <a:xfrm>
             <a:off x="457200" y="1203480"/>
-            <a:ext cx="8228880" cy="2982600"/>
+            <a:ext cx="8229240" cy="2982960"/>
           </a:xfrm>
           <a:prstGeom prst="rect">
             <a:avLst/>
@@ -3155,7 +3155,7 @@
         <p:spPr>
           <a:xfrm>
             <a:off x="457200" y="205200"/>
-            <a:ext cx="8228880" cy="3979440"/>
+            <a:ext cx="8229240" cy="3981240"/>
           </a:xfrm>
           <a:prstGeom prst="rect">
             <a:avLst/>
@@ -3208,7 +3208,7 @@
         <p:spPr>
           <a:xfrm>
             <a:off x="457200" y="205200"/>
-            <a:ext cx="8228880" cy="858240"/>
+            <a:ext cx="8229240" cy="858600"/>
           </a:xfrm>
           <a:prstGeom prst="rect">
             <a:avLst/>
@@ -3239,7 +3239,7 @@
         <p:spPr>
           <a:xfrm>
             <a:off x="457200" y="1203480"/>
-            <a:ext cx="4015440" cy="1422360"/>
+            <a:ext cx="4015800" cy="1422720"/>
           </a:xfrm>
           <a:prstGeom prst="rect">
             <a:avLst/>
@@ -3268,8 +3268,8 @@
         </p:nvSpPr>
         <p:spPr>
           <a:xfrm>
-            <a:off x="4673880" y="1203480"/>
-            <a:ext cx="4015440" cy="2982600"/>
+            <a:off x="4674240" y="1203480"/>
+            <a:ext cx="4015800" cy="2982960"/>
           </a:xfrm>
           <a:prstGeom prst="rect">
             <a:avLst/>
@@ -3298,8 +3298,8 @@
         </p:nvSpPr>
         <p:spPr>
           <a:xfrm>
-            <a:off x="457200" y="2761200"/>
-            <a:ext cx="4015440" cy="1422360"/>
+            <a:off x="457200" y="2761920"/>
+            <a:ext cx="4015800" cy="1422720"/>
           </a:xfrm>
           <a:prstGeom prst="rect">
             <a:avLst/>
@@ -3351,7 +3351,7 @@
         <p:spPr>
           <a:xfrm>
             <a:off x="457200" y="205200"/>
-            <a:ext cx="8228880" cy="858240"/>
+            <a:ext cx="8229240" cy="858600"/>
           </a:xfrm>
           <a:prstGeom prst="rect">
             <a:avLst/>
@@ -3382,7 +3382,7 @@
         <p:spPr>
           <a:xfrm>
             <a:off x="457200" y="1203480"/>
-            <a:ext cx="4015440" cy="2982600"/>
+            <a:ext cx="4015800" cy="2982960"/>
           </a:xfrm>
           <a:prstGeom prst="rect">
             <a:avLst/>
@@ -3411,8 +3411,8 @@
         </p:nvSpPr>
         <p:spPr>
           <a:xfrm>
-            <a:off x="4673880" y="1203480"/>
-            <a:ext cx="4015440" cy="1422360"/>
+            <a:off x="4674240" y="1203480"/>
+            <a:ext cx="4015800" cy="1422720"/>
           </a:xfrm>
           <a:prstGeom prst="rect">
             <a:avLst/>
@@ -3441,8 +3441,8 @@
         </p:nvSpPr>
         <p:spPr>
           <a:xfrm>
-            <a:off x="4673880" y="2761200"/>
-            <a:ext cx="4015440" cy="1422360"/>
+            <a:off x="4674240" y="2761920"/>
+            <a:ext cx="4015800" cy="1422720"/>
           </a:xfrm>
           <a:prstGeom prst="rect">
             <a:avLst/>
@@ -3494,7 +3494,7 @@
         <p:spPr>
           <a:xfrm>
             <a:off x="457200" y="205200"/>
-            <a:ext cx="8228880" cy="858240"/>
+            <a:ext cx="8229240" cy="858600"/>
           </a:xfrm>
           <a:prstGeom prst="rect">
             <a:avLst/>
@@ -3525,7 +3525,7 @@
         <p:spPr>
           <a:xfrm>
             <a:off x="457200" y="1203480"/>
-            <a:ext cx="4015440" cy="1422360"/>
+            <a:ext cx="4015800" cy="1422720"/>
           </a:xfrm>
           <a:prstGeom prst="rect">
             <a:avLst/>
@@ -3554,8 +3554,8 @@
         </p:nvSpPr>
         <p:spPr>
           <a:xfrm>
-            <a:off x="4673880" y="1203480"/>
-            <a:ext cx="4015440" cy="1422360"/>
+            <a:off x="4674240" y="1203480"/>
+            <a:ext cx="4015800" cy="1422720"/>
           </a:xfrm>
           <a:prstGeom prst="rect">
             <a:avLst/>
@@ -3584,8 +3584,8 @@
         </p:nvSpPr>
         <p:spPr>
           <a:xfrm>
-            <a:off x="457200" y="2761200"/>
-            <a:ext cx="8228880" cy="1422360"/>
+            <a:off x="457200" y="2761920"/>
+            <a:ext cx="8229240" cy="1422720"/>
           </a:xfrm>
           <a:prstGeom prst="rect">
             <a:avLst/>
@@ -3637,7 +3637,7 @@
         <p:spPr>
           <a:xfrm>
             <a:off x="457200" y="205200"/>
-            <a:ext cx="8228880" cy="858240"/>
+            <a:ext cx="8229240" cy="858600"/>
           </a:xfrm>
           <a:prstGeom prst="rect">
             <a:avLst/>
@@ -3668,7 +3668,7 @@
         <p:spPr>
           <a:xfrm>
             <a:off x="457200" y="1203480"/>
-            <a:ext cx="8228880" cy="1422360"/>
+            <a:ext cx="8229240" cy="1422720"/>
           </a:xfrm>
           <a:prstGeom prst="rect">
             <a:avLst/>
@@ -3697,8 +3697,8 @@
         </p:nvSpPr>
         <p:spPr>
           <a:xfrm>
-            <a:off x="457200" y="2761200"/>
-            <a:ext cx="8228880" cy="1422360"/>
+            <a:off x="457200" y="2761920"/>
+            <a:ext cx="8229240" cy="1422720"/>
           </a:xfrm>
           <a:prstGeom prst="rect">
             <a:avLst/>
@@ -3750,7 +3750,7 @@
         <p:spPr>
           <a:xfrm>
             <a:off x="457200" y="205200"/>
-            <a:ext cx="8228880" cy="858240"/>
+            <a:ext cx="8229240" cy="858600"/>
           </a:xfrm>
           <a:prstGeom prst="rect">
             <a:avLst/>
@@ -3781,7 +3781,7 @@
         <p:spPr>
           <a:xfrm>
             <a:off x="457200" y="1203480"/>
-            <a:ext cx="4015440" cy="1422360"/>
+            <a:ext cx="4015800" cy="1422720"/>
           </a:xfrm>
           <a:prstGeom prst="rect">
             <a:avLst/>
@@ -3810,8 +3810,8 @@
         </p:nvSpPr>
         <p:spPr>
           <a:xfrm>
-            <a:off x="4673880" y="1203480"/>
-            <a:ext cx="4015440" cy="1422360"/>
+            <a:off x="4674240" y="1203480"/>
+            <a:ext cx="4015800" cy="1422720"/>
           </a:xfrm>
           <a:prstGeom prst="rect">
             <a:avLst/>
@@ -3840,8 +3840,8 @@
         </p:nvSpPr>
         <p:spPr>
           <a:xfrm>
-            <a:off x="457200" y="2761200"/>
-            <a:ext cx="4015440" cy="1422360"/>
+            <a:off x="457200" y="2761920"/>
+            <a:ext cx="4015800" cy="1422720"/>
           </a:xfrm>
           <a:prstGeom prst="rect">
             <a:avLst/>
@@ -3870,8 +3870,8 @@
         </p:nvSpPr>
         <p:spPr>
           <a:xfrm>
-            <a:off x="4673880" y="2761200"/>
-            <a:ext cx="4015440" cy="1422360"/>
+            <a:off x="4674240" y="2761920"/>
+            <a:ext cx="4015800" cy="1422720"/>
           </a:xfrm>
           <a:prstGeom prst="rect">
             <a:avLst/>
@@ -3923,7 +3923,7 @@
         <p:spPr>
           <a:xfrm>
             <a:off x="457200" y="205200"/>
-            <a:ext cx="8228880" cy="858240"/>
+            <a:ext cx="8229240" cy="858600"/>
           </a:xfrm>
           <a:prstGeom prst="rect">
             <a:avLst/>
@@ -3954,7 +3954,7 @@
         <p:spPr>
           <a:xfrm>
             <a:off x="457200" y="1203480"/>
-            <a:ext cx="2649600" cy="1422360"/>
+            <a:ext cx="2649600" cy="1422720"/>
           </a:xfrm>
           <a:prstGeom prst="rect">
             <a:avLst/>
@@ -3984,7 +3984,7 @@
         <p:spPr>
           <a:xfrm>
             <a:off x="3239640" y="1203480"/>
-            <a:ext cx="2649600" cy="1422360"/>
+            <a:ext cx="2649600" cy="1422720"/>
           </a:xfrm>
           <a:prstGeom prst="rect">
             <a:avLst/>
@@ -4014,7 +4014,7 @@
         <p:spPr>
           <a:xfrm>
             <a:off x="6022080" y="1203480"/>
-            <a:ext cx="2649600" cy="1422360"/>
+            <a:ext cx="2649600" cy="1422720"/>
           </a:xfrm>
           <a:prstGeom prst="rect">
             <a:avLst/>
@@ -4043,8 +4043,8 @@
         </p:nvSpPr>
         <p:spPr>
           <a:xfrm>
-            <a:off x="457200" y="2761200"/>
-            <a:ext cx="2649600" cy="1422360"/>
+            <a:off x="457200" y="2761920"/>
+            <a:ext cx="2649600" cy="1422720"/>
           </a:xfrm>
           <a:prstGeom prst="rect">
             <a:avLst/>
@@ -4073,8 +4073,8 @@
         </p:nvSpPr>
         <p:spPr>
           <a:xfrm>
-            <a:off x="3239640" y="2761200"/>
-            <a:ext cx="2649600" cy="1422360"/>
+            <a:off x="3239640" y="2761920"/>
+            <a:ext cx="2649600" cy="1422720"/>
           </a:xfrm>
           <a:prstGeom prst="rect">
             <a:avLst/>
@@ -4103,8 +4103,8 @@
         </p:nvSpPr>
         <p:spPr>
           <a:xfrm>
-            <a:off x="6022080" y="2761200"/>
-            <a:ext cx="2649600" cy="1422360"/>
+            <a:off x="6022080" y="2761920"/>
+            <a:ext cx="2649600" cy="1422720"/>
           </a:xfrm>
           <a:prstGeom prst="rect">
             <a:avLst/>
@@ -4178,7 +4178,7 @@
         <p:spPr>
           <a:xfrm>
             <a:off x="457200" y="205200"/>
-            <a:ext cx="8228880" cy="858240"/>
+            <a:ext cx="8229240" cy="858600"/>
           </a:xfrm>
           <a:prstGeom prst="rect">
             <a:avLst/>
@@ -4209,7 +4209,7 @@
         <p:spPr>
           <a:xfrm>
             <a:off x="457200" y="1203480"/>
-            <a:ext cx="8228880" cy="2982600"/>
+            <a:ext cx="8229240" cy="2982960"/>
           </a:xfrm>
           <a:prstGeom prst="rect">
             <a:avLst/>
@@ -4262,7 +4262,7 @@
         <p:spPr>
           <a:xfrm>
             <a:off x="457200" y="205200"/>
-            <a:ext cx="8228880" cy="858240"/>
+            <a:ext cx="8229240" cy="858600"/>
           </a:xfrm>
           <a:prstGeom prst="rect">
             <a:avLst/>
@@ -4293,7 +4293,7 @@
         <p:spPr>
           <a:xfrm>
             <a:off x="457200" y="1203480"/>
-            <a:ext cx="8228880" cy="2982600"/>
+            <a:ext cx="8229240" cy="2982960"/>
           </a:xfrm>
           <a:prstGeom prst="rect">
             <a:avLst/>
@@ -4345,7 +4345,7 @@
         <p:spPr>
           <a:xfrm>
             <a:off x="457200" y="205200"/>
-            <a:ext cx="8228880" cy="858240"/>
+            <a:ext cx="8229240" cy="858600"/>
           </a:xfrm>
           <a:prstGeom prst="rect">
             <a:avLst/>
@@ -4376,7 +4376,7 @@
         <p:spPr>
           <a:xfrm>
             <a:off x="457200" y="1203480"/>
-            <a:ext cx="4015440" cy="2982600"/>
+            <a:ext cx="4015800" cy="2982960"/>
           </a:xfrm>
           <a:prstGeom prst="rect">
             <a:avLst/>
@@ -4405,8 +4405,8 @@
         </p:nvSpPr>
         <p:spPr>
           <a:xfrm>
-            <a:off x="4673880" y="1203480"/>
-            <a:ext cx="4015440" cy="2982600"/>
+            <a:off x="4674240" y="1203480"/>
+            <a:ext cx="4015800" cy="2982960"/>
           </a:xfrm>
           <a:prstGeom prst="rect">
             <a:avLst/>
@@ -4458,7 +4458,7 @@
         <p:spPr>
           <a:xfrm>
             <a:off x="457200" y="205200"/>
-            <a:ext cx="8228880" cy="858240"/>
+            <a:ext cx="8229240" cy="858600"/>
           </a:xfrm>
           <a:prstGeom prst="rect">
             <a:avLst/>
@@ -4489,7 +4489,7 @@
         <p:spPr>
           <a:xfrm>
             <a:off x="457200" y="1203480"/>
-            <a:ext cx="4015440" cy="2982600"/>
+            <a:ext cx="4015800" cy="2982960"/>
           </a:xfrm>
           <a:prstGeom prst="rect">
             <a:avLst/>
@@ -4518,8 +4518,8 @@
         </p:nvSpPr>
         <p:spPr>
           <a:xfrm>
-            <a:off x="4673880" y="1203480"/>
-            <a:ext cx="4015440" cy="2982600"/>
+            <a:off x="4674240" y="1203480"/>
+            <a:ext cx="4015800" cy="2982960"/>
           </a:xfrm>
           <a:prstGeom prst="rect">
             <a:avLst/>
@@ -4571,7 +4571,7 @@
         <p:spPr>
           <a:xfrm>
             <a:off x="457200" y="205200"/>
-            <a:ext cx="8228880" cy="858240"/>
+            <a:ext cx="8229240" cy="858600"/>
           </a:xfrm>
           <a:prstGeom prst="rect">
             <a:avLst/>
@@ -4624,7 +4624,7 @@
         <p:spPr>
           <a:xfrm>
             <a:off x="457200" y="205200"/>
-            <a:ext cx="8228880" cy="3979440"/>
+            <a:ext cx="8229240" cy="3981240"/>
           </a:xfrm>
           <a:prstGeom prst="rect">
             <a:avLst/>
@@ -4677,7 +4677,7 @@
         <p:spPr>
           <a:xfrm>
             <a:off x="457200" y="205200"/>
-            <a:ext cx="8228880" cy="858240"/>
+            <a:ext cx="8229240" cy="858600"/>
           </a:xfrm>
           <a:prstGeom prst="rect">
             <a:avLst/>
@@ -4708,7 +4708,7 @@
         <p:spPr>
           <a:xfrm>
             <a:off x="457200" y="1203480"/>
-            <a:ext cx="4015440" cy="1422360"/>
+            <a:ext cx="4015800" cy="1422720"/>
           </a:xfrm>
           <a:prstGeom prst="rect">
             <a:avLst/>
@@ -4737,8 +4737,8 @@
         </p:nvSpPr>
         <p:spPr>
           <a:xfrm>
-            <a:off x="4673880" y="1203480"/>
-            <a:ext cx="4015440" cy="2982600"/>
+            <a:off x="4674240" y="1203480"/>
+            <a:ext cx="4015800" cy="2982960"/>
           </a:xfrm>
           <a:prstGeom prst="rect">
             <a:avLst/>
@@ -4767,8 +4767,8 @@
         </p:nvSpPr>
         <p:spPr>
           <a:xfrm>
-            <a:off x="457200" y="2761200"/>
-            <a:ext cx="4015440" cy="1422360"/>
+            <a:off x="457200" y="2761920"/>
+            <a:ext cx="4015800" cy="1422720"/>
           </a:xfrm>
           <a:prstGeom prst="rect">
             <a:avLst/>
@@ -4820,7 +4820,7 @@
         <p:spPr>
           <a:xfrm>
             <a:off x="457200" y="205200"/>
-            <a:ext cx="8228880" cy="858240"/>
+            <a:ext cx="8229240" cy="858600"/>
           </a:xfrm>
           <a:prstGeom prst="rect">
             <a:avLst/>
@@ -4851,7 +4851,7 @@
         <p:spPr>
           <a:xfrm>
             <a:off x="457200" y="1203480"/>
-            <a:ext cx="4015440" cy="2982600"/>
+            <a:ext cx="4015800" cy="2982960"/>
           </a:xfrm>
           <a:prstGeom prst="rect">
             <a:avLst/>
@@ -4880,8 +4880,8 @@
         </p:nvSpPr>
         <p:spPr>
           <a:xfrm>
-            <a:off x="4673880" y="1203480"/>
-            <a:ext cx="4015440" cy="1422360"/>
+            <a:off x="4674240" y="1203480"/>
+            <a:ext cx="4015800" cy="1422720"/>
           </a:xfrm>
           <a:prstGeom prst="rect">
             <a:avLst/>
@@ -4910,8 +4910,8 @@
         </p:nvSpPr>
         <p:spPr>
           <a:xfrm>
-            <a:off x="4673880" y="2761200"/>
-            <a:ext cx="4015440" cy="1422360"/>
+            <a:off x="4674240" y="2761920"/>
+            <a:ext cx="4015800" cy="1422720"/>
           </a:xfrm>
           <a:prstGeom prst="rect">
             <a:avLst/>
@@ -4963,7 +4963,7 @@
         <p:spPr>
           <a:xfrm>
             <a:off x="457200" y="205200"/>
-            <a:ext cx="8228880" cy="858240"/>
+            <a:ext cx="8229240" cy="858600"/>
           </a:xfrm>
           <a:prstGeom prst="rect">
             <a:avLst/>
@@ -4994,7 +4994,7 @@
         <p:spPr>
           <a:xfrm>
             <a:off x="457200" y="1203480"/>
-            <a:ext cx="4015440" cy="1422360"/>
+            <a:ext cx="4015800" cy="1422720"/>
           </a:xfrm>
           <a:prstGeom prst="rect">
             <a:avLst/>
@@ -5023,8 +5023,8 @@
         </p:nvSpPr>
         <p:spPr>
           <a:xfrm>
-            <a:off x="4673880" y="1203480"/>
-            <a:ext cx="4015440" cy="1422360"/>
+            <a:off x="4674240" y="1203480"/>
+            <a:ext cx="4015800" cy="1422720"/>
           </a:xfrm>
           <a:prstGeom prst="rect">
             <a:avLst/>
@@ -5053,8 +5053,8 @@
         </p:nvSpPr>
         <p:spPr>
           <a:xfrm>
-            <a:off x="457200" y="2761200"/>
-            <a:ext cx="8228880" cy="1422360"/>
+            <a:off x="457200" y="2761920"/>
+            <a:ext cx="8229240" cy="1422720"/>
           </a:xfrm>
           <a:prstGeom prst="rect">
             <a:avLst/>
@@ -5106,7 +5106,7 @@
         <p:spPr>
           <a:xfrm>
             <a:off x="457200" y="205200"/>
-            <a:ext cx="8228880" cy="858240"/>
+            <a:ext cx="8229240" cy="858600"/>
           </a:xfrm>
           <a:prstGeom prst="rect">
             <a:avLst/>
@@ -5137,7 +5137,7 @@
         <p:spPr>
           <a:xfrm>
             <a:off x="457200" y="1203480"/>
-            <a:ext cx="8228880" cy="1422360"/>
+            <a:ext cx="8229240" cy="1422720"/>
           </a:xfrm>
           <a:prstGeom prst="rect">
             <a:avLst/>
@@ -5166,8 +5166,8 @@
         </p:nvSpPr>
         <p:spPr>
           <a:xfrm>
-            <a:off x="457200" y="2761200"/>
-            <a:ext cx="8228880" cy="1422360"/>
+            <a:off x="457200" y="2761920"/>
+            <a:ext cx="8229240" cy="1422720"/>
           </a:xfrm>
           <a:prstGeom prst="rect">
             <a:avLst/>
@@ -5219,7 +5219,7 @@
         <p:spPr>
           <a:xfrm>
             <a:off x="457200" y="205200"/>
-            <a:ext cx="8228880" cy="858240"/>
+            <a:ext cx="8229240" cy="858600"/>
           </a:xfrm>
           <a:prstGeom prst="rect">
             <a:avLst/>
@@ -5250,7 +5250,7 @@
         <p:spPr>
           <a:xfrm>
             <a:off x="457200" y="1203480"/>
-            <a:ext cx="4015440" cy="1422360"/>
+            <a:ext cx="4015800" cy="1422720"/>
           </a:xfrm>
           <a:prstGeom prst="rect">
             <a:avLst/>
@@ -5279,8 +5279,8 @@
         </p:nvSpPr>
         <p:spPr>
           <a:xfrm>
-            <a:off x="4673880" y="1203480"/>
-            <a:ext cx="4015440" cy="1422360"/>
+            <a:off x="4674240" y="1203480"/>
+            <a:ext cx="4015800" cy="1422720"/>
           </a:xfrm>
           <a:prstGeom prst="rect">
             <a:avLst/>
@@ -5309,8 +5309,8 @@
         </p:nvSpPr>
         <p:spPr>
           <a:xfrm>
-            <a:off x="457200" y="2761200"/>
-            <a:ext cx="4015440" cy="1422360"/>
+            <a:off x="457200" y="2761920"/>
+            <a:ext cx="4015800" cy="1422720"/>
           </a:xfrm>
           <a:prstGeom prst="rect">
             <a:avLst/>
@@ -5339,8 +5339,8 @@
         </p:nvSpPr>
         <p:spPr>
           <a:xfrm>
-            <a:off x="4673880" y="2761200"/>
-            <a:ext cx="4015440" cy="1422360"/>
+            <a:off x="4674240" y="2761920"/>
+            <a:ext cx="4015800" cy="1422720"/>
           </a:xfrm>
           <a:prstGeom prst="rect">
             <a:avLst/>
@@ -5392,7 +5392,7 @@
         <p:spPr>
           <a:xfrm>
             <a:off x="457200" y="205200"/>
-            <a:ext cx="8228880" cy="858240"/>
+            <a:ext cx="8229240" cy="858600"/>
           </a:xfrm>
           <a:prstGeom prst="rect">
             <a:avLst/>
@@ -5423,7 +5423,7 @@
         <p:spPr>
           <a:xfrm>
             <a:off x="457200" y="1203480"/>
-            <a:ext cx="2649600" cy="1422360"/>
+            <a:ext cx="2649600" cy="1422720"/>
           </a:xfrm>
           <a:prstGeom prst="rect">
             <a:avLst/>
@@ -5453,7 +5453,7 @@
         <p:spPr>
           <a:xfrm>
             <a:off x="3239640" y="1203480"/>
-            <a:ext cx="2649600" cy="1422360"/>
+            <a:ext cx="2649600" cy="1422720"/>
           </a:xfrm>
           <a:prstGeom prst="rect">
             <a:avLst/>
@@ -5483,7 +5483,7 @@
         <p:spPr>
           <a:xfrm>
             <a:off x="6022080" y="1203480"/>
-            <a:ext cx="2649600" cy="1422360"/>
+            <a:ext cx="2649600" cy="1422720"/>
           </a:xfrm>
           <a:prstGeom prst="rect">
             <a:avLst/>
@@ -5512,8 +5512,8 @@
         </p:nvSpPr>
         <p:spPr>
           <a:xfrm>
-            <a:off x="457200" y="2761200"/>
-            <a:ext cx="2649600" cy="1422360"/>
+            <a:off x="457200" y="2761920"/>
+            <a:ext cx="2649600" cy="1422720"/>
           </a:xfrm>
           <a:prstGeom prst="rect">
             <a:avLst/>
@@ -5542,8 +5542,8 @@
         </p:nvSpPr>
         <p:spPr>
           <a:xfrm>
-            <a:off x="3239640" y="2761200"/>
-            <a:ext cx="2649600" cy="1422360"/>
+            <a:off x="3239640" y="2761920"/>
+            <a:ext cx="2649600" cy="1422720"/>
           </a:xfrm>
           <a:prstGeom prst="rect">
             <a:avLst/>
@@ -5572,8 +5572,8 @@
         </p:nvSpPr>
         <p:spPr>
           <a:xfrm>
-            <a:off x="6022080" y="2761200"/>
-            <a:ext cx="2649600" cy="1422360"/>
+            <a:off x="6022080" y="2761920"/>
+            <a:ext cx="2649600" cy="1422720"/>
           </a:xfrm>
           <a:prstGeom prst="rect">
             <a:avLst/>
@@ -5625,7 +5625,7 @@
         <p:spPr>
           <a:xfrm>
             <a:off x="457200" y="205200"/>
-            <a:ext cx="8228880" cy="858240"/>
+            <a:ext cx="8229240" cy="858600"/>
           </a:xfrm>
           <a:prstGeom prst="rect">
             <a:avLst/>
@@ -5678,7 +5678,7 @@
         <p:spPr>
           <a:xfrm>
             <a:off x="457200" y="205200"/>
-            <a:ext cx="8228880" cy="3979440"/>
+            <a:ext cx="8229240" cy="3981240"/>
           </a:xfrm>
           <a:prstGeom prst="rect">
             <a:avLst/>
@@ -5731,7 +5731,7 @@
         <p:spPr>
           <a:xfrm>
             <a:off x="457200" y="205200"/>
-            <a:ext cx="8228880" cy="858240"/>
+            <a:ext cx="8229240" cy="858600"/>
           </a:xfrm>
           <a:prstGeom prst="rect">
             <a:avLst/>
@@ -5762,7 +5762,7 @@
         <p:spPr>
           <a:xfrm>
             <a:off x="457200" y="1203480"/>
-            <a:ext cx="4015440" cy="1422360"/>
+            <a:ext cx="4015800" cy="1422720"/>
           </a:xfrm>
           <a:prstGeom prst="rect">
             <a:avLst/>
@@ -5791,8 +5791,8 @@
         </p:nvSpPr>
         <p:spPr>
           <a:xfrm>
-            <a:off x="4673880" y="1203480"/>
-            <a:ext cx="4015440" cy="2982600"/>
+            <a:off x="4674240" y="1203480"/>
+            <a:ext cx="4015800" cy="2982960"/>
           </a:xfrm>
           <a:prstGeom prst="rect">
             <a:avLst/>
@@ -5821,8 +5821,8 @@
         </p:nvSpPr>
         <p:spPr>
           <a:xfrm>
-            <a:off x="457200" y="2761200"/>
-            <a:ext cx="4015440" cy="1422360"/>
+            <a:off x="457200" y="2761920"/>
+            <a:ext cx="4015800" cy="1422720"/>
           </a:xfrm>
           <a:prstGeom prst="rect">
             <a:avLst/>
@@ -5874,7 +5874,7 @@
         <p:spPr>
           <a:xfrm>
             <a:off x="457200" y="205200"/>
-            <a:ext cx="8228880" cy="858240"/>
+            <a:ext cx="8229240" cy="858600"/>
           </a:xfrm>
           <a:prstGeom prst="rect">
             <a:avLst/>
@@ -5905,7 +5905,7 @@
         <p:spPr>
           <a:xfrm>
             <a:off x="457200" y="1203480"/>
-            <a:ext cx="4015440" cy="2982600"/>
+            <a:ext cx="4015800" cy="2982960"/>
           </a:xfrm>
           <a:prstGeom prst="rect">
             <a:avLst/>
@@ -5934,8 +5934,8 @@
         </p:nvSpPr>
         <p:spPr>
           <a:xfrm>
-            <a:off x="4673880" y="1203480"/>
-            <a:ext cx="4015440" cy="1422360"/>
+            <a:off x="4674240" y="1203480"/>
+            <a:ext cx="4015800" cy="1422720"/>
           </a:xfrm>
           <a:prstGeom prst="rect">
             <a:avLst/>
@@ -5964,8 +5964,8 @@
         </p:nvSpPr>
         <p:spPr>
           <a:xfrm>
-            <a:off x="4673880" y="2761200"/>
-            <a:ext cx="4015440" cy="1422360"/>
+            <a:off x="4674240" y="2761920"/>
+            <a:ext cx="4015800" cy="1422720"/>
           </a:xfrm>
           <a:prstGeom prst="rect">
             <a:avLst/>
@@ -6017,7 +6017,7 @@
         <p:spPr>
           <a:xfrm>
             <a:off x="457200" y="205200"/>
-            <a:ext cx="8228880" cy="858240"/>
+            <a:ext cx="8229240" cy="858600"/>
           </a:xfrm>
           <a:prstGeom prst="rect">
             <a:avLst/>
@@ -6048,7 +6048,7 @@
         <p:spPr>
           <a:xfrm>
             <a:off x="457200" y="1203480"/>
-            <a:ext cx="4015440" cy="1422360"/>
+            <a:ext cx="4015800" cy="1422720"/>
           </a:xfrm>
           <a:prstGeom prst="rect">
             <a:avLst/>
@@ -6077,8 +6077,8 @@
         </p:nvSpPr>
         <p:spPr>
           <a:xfrm>
-            <a:off x="4673880" y="1203480"/>
-            <a:ext cx="4015440" cy="1422360"/>
+            <a:off x="4674240" y="1203480"/>
+            <a:ext cx="4015800" cy="1422720"/>
           </a:xfrm>
           <a:prstGeom prst="rect">
             <a:avLst/>
@@ -6107,8 +6107,8 @@
         </p:nvSpPr>
         <p:spPr>
           <a:xfrm>
-            <a:off x="457200" y="2761200"/>
-            <a:ext cx="8228880" cy="1422360"/>
+            <a:off x="457200" y="2761920"/>
+            <a:ext cx="8229240" cy="1422720"/>
           </a:xfrm>
           <a:prstGeom prst="rect">
             <a:avLst/>
@@ -6163,7 +6163,7 @@
         <p:spPr>
           <a:xfrm>
             <a:off x="80640" y="2651040"/>
-            <a:ext cx="8982000" cy="2410920"/>
+            <a:ext cx="8981640" cy="2410560"/>
           </a:xfrm>
           <a:prstGeom prst="rect">
             <a:avLst/>
@@ -6195,7 +6195,7 @@
         <p:spPr>
           <a:xfrm>
             <a:off x="457200" y="205200"/>
-            <a:ext cx="8228880" cy="858240"/>
+            <a:ext cx="8228520" cy="857880"/>
           </a:xfrm>
           <a:prstGeom prst="rect">
             <a:avLst/>
@@ -6231,7 +6231,7 @@
         <p:spPr>
           <a:xfrm>
             <a:off x="457200" y="1203480"/>
-            <a:ext cx="8229240" cy="2982960"/>
+            <a:ext cx="8228520" cy="2982240"/>
           </a:xfrm>
           <a:prstGeom prst="rect">
             <a:avLst/>
@@ -6254,12 +6254,12 @@
               <a:buChar char=""/>
             </a:pPr>
             <a:r>
-              <a:rPr b="0" lang="ru-RU" sz="3200" spc="-1" strike="noStrike">
+              <a:rPr b="0" lang="ru-RU" sz="1800" spc="-1" strike="noStrike">
                 <a:latin typeface="Arial"/>
               </a:rPr>
               <a:t>Click to edit the outline text format</a:t>
             </a:r>
-            <a:endParaRPr b="0" lang="ru-RU" sz="3200" spc="-1" strike="noStrike">
+            <a:endParaRPr b="0" lang="ru-RU" sz="1800" spc="-1" strike="noStrike">
               <a:latin typeface="Arial"/>
             </a:endParaRPr>
           </a:p>
@@ -6276,12 +6276,12 @@
               <a:buChar char=""/>
             </a:pPr>
             <a:r>
-              <a:rPr b="0" lang="ru-RU" sz="2800" spc="-1" strike="noStrike">
+              <a:rPr b="0" lang="ru-RU" sz="1800" spc="-1" strike="noStrike">
                 <a:latin typeface="Arial"/>
               </a:rPr>
               <a:t>Second Outline Level</a:t>
             </a:r>
-            <a:endParaRPr b="0" lang="ru-RU" sz="2800" spc="-1" strike="noStrike">
+            <a:endParaRPr b="0" lang="ru-RU" sz="1800" spc="-1" strike="noStrike">
               <a:latin typeface="Arial"/>
             </a:endParaRPr>
           </a:p>
@@ -6298,12 +6298,12 @@
               <a:buChar char=""/>
             </a:pPr>
             <a:r>
-              <a:rPr b="0" lang="ru-RU" sz="2400" spc="-1" strike="noStrike">
+              <a:rPr b="0" lang="ru-RU" sz="1800" spc="-1" strike="noStrike">
                 <a:latin typeface="Arial"/>
               </a:rPr>
               <a:t>Third Outline Level</a:t>
             </a:r>
-            <a:endParaRPr b="0" lang="ru-RU" sz="2400" spc="-1" strike="noStrike">
+            <a:endParaRPr b="0" lang="ru-RU" sz="1800" spc="-1" strike="noStrike">
               <a:latin typeface="Arial"/>
             </a:endParaRPr>
           </a:p>
@@ -6320,12 +6320,12 @@
               <a:buChar char=""/>
             </a:pPr>
             <a:r>
-              <a:rPr b="0" lang="ru-RU" sz="2000" spc="-1" strike="noStrike">
+              <a:rPr b="0" lang="ru-RU" sz="1800" spc="-1" strike="noStrike">
                 <a:latin typeface="Arial"/>
               </a:rPr>
               <a:t>Fourth Outline Level</a:t>
             </a:r>
-            <a:endParaRPr b="0" lang="ru-RU" sz="2000" spc="-1" strike="noStrike">
+            <a:endParaRPr b="0" lang="ru-RU" sz="1800" spc="-1" strike="noStrike">
               <a:latin typeface="Arial"/>
             </a:endParaRPr>
           </a:p>
@@ -6342,12 +6342,12 @@
               <a:buChar char=""/>
             </a:pPr>
             <a:r>
-              <a:rPr b="0" lang="ru-RU" sz="2000" spc="-1" strike="noStrike">
+              <a:rPr b="0" lang="ru-RU" sz="1800" spc="-1" strike="noStrike">
                 <a:latin typeface="Arial"/>
               </a:rPr>
               <a:t>Fifth Outline Level</a:t>
             </a:r>
-            <a:endParaRPr b="0" lang="ru-RU" sz="2000" spc="-1" strike="noStrike">
+            <a:endParaRPr b="0" lang="ru-RU" sz="1800" spc="-1" strike="noStrike">
               <a:latin typeface="Arial"/>
             </a:endParaRPr>
           </a:p>
@@ -6364,12 +6364,12 @@
               <a:buChar char=""/>
             </a:pPr>
             <a:r>
-              <a:rPr b="0" lang="ru-RU" sz="2000" spc="-1" strike="noStrike">
+              <a:rPr b="0" lang="ru-RU" sz="1800" spc="-1" strike="noStrike">
                 <a:latin typeface="Arial"/>
               </a:rPr>
               <a:t>Sixth Outline Level</a:t>
             </a:r>
-            <a:endParaRPr b="0" lang="ru-RU" sz="2000" spc="-1" strike="noStrike">
+            <a:endParaRPr b="0" lang="ru-RU" sz="1800" spc="-1" strike="noStrike">
               <a:latin typeface="Arial"/>
             </a:endParaRPr>
           </a:p>
@@ -6386,12 +6386,12 @@
               <a:buChar char=""/>
             </a:pPr>
             <a:r>
-              <a:rPr b="0" lang="ru-RU" sz="2000" spc="-1" strike="noStrike">
+              <a:rPr b="0" lang="ru-RU" sz="1800" spc="-1" strike="noStrike">
                 <a:latin typeface="Arial"/>
               </a:rPr>
               <a:t>Seventh Outline Level</a:t>
             </a:r>
-            <a:endParaRPr b="0" lang="ru-RU" sz="2000" spc="-1" strike="noStrike">
+            <a:endParaRPr b="0" lang="ru-RU" sz="1800" spc="-1" strike="noStrike">
               <a:latin typeface="Arial"/>
             </a:endParaRPr>
           </a:p>
@@ -6450,7 +6450,7 @@
         <p:spPr>
           <a:xfrm>
             <a:off x="0" y="0"/>
-            <a:ext cx="9143280" cy="5142960"/>
+            <a:ext cx="9142920" cy="5142600"/>
           </a:xfrm>
           <a:prstGeom prst="rect">
             <a:avLst/>
@@ -6478,9 +6478,9 @@
         <p:grpSpPr>
           <a:xfrm>
             <a:off x="0" y="0"/>
-            <a:ext cx="4316040" cy="5142960"/>
+            <a:ext cx="4315680" cy="5142600"/>
             <a:chOff x="0" y="0"/>
-            <a:chExt cx="4316040" cy="5142960"/>
+            <a:chExt cx="4315680" cy="5142600"/>
           </a:xfrm>
         </p:grpSpPr>
         <p:sp>
@@ -6492,7 +6492,7 @@
           <p:spPr>
             <a:xfrm>
               <a:off x="0" y="0"/>
-              <a:ext cx="4316040" cy="5142960"/>
+              <a:ext cx="4315680" cy="5142600"/>
             </a:xfrm>
             <a:prstGeom prst="rect">
               <a:avLst/>
@@ -6520,7 +6520,7 @@
           <p:spPr>
             <a:xfrm>
               <a:off x="385920" y="4599720"/>
-              <a:ext cx="1353960" cy="137160"/>
+              <a:ext cx="1353600" cy="136800"/>
             </a:xfrm>
             <a:prstGeom prst="rect">
               <a:avLst/>
@@ -6549,7 +6549,7 @@
           <p:spPr>
             <a:xfrm>
               <a:off x="841320" y="4599720"/>
-              <a:ext cx="142200" cy="137160"/>
+              <a:ext cx="141840" cy="136800"/>
             </a:xfrm>
             <a:prstGeom prst="rect">
               <a:avLst/>
@@ -6578,7 +6578,7 @@
           <p:spPr>
             <a:xfrm>
               <a:off x="1142640" y="4599720"/>
-              <a:ext cx="142200" cy="137160"/>
+              <a:ext cx="141840" cy="136800"/>
             </a:xfrm>
             <a:prstGeom prst="rect">
               <a:avLst/>
@@ -6607,7 +6607,7 @@
           <p:spPr>
             <a:xfrm>
               <a:off x="3875400" y="380880"/>
-              <a:ext cx="142200" cy="137160"/>
+              <a:ext cx="141840" cy="136800"/>
             </a:xfrm>
             <a:prstGeom prst="rect">
               <a:avLst/>
@@ -6638,7 +6638,7 @@
           <p:spPr>
             <a:xfrm>
               <a:off x="3732480" y="518760"/>
-              <a:ext cx="142200" cy="137160"/>
+              <a:ext cx="141840" cy="136800"/>
             </a:xfrm>
             <a:prstGeom prst="rect">
               <a:avLst/>
@@ -6688,13 +6688,7 @@
               <a:rPr b="0" lang="ru-RU" sz="4400" spc="-1" strike="noStrike">
                 <a:latin typeface="Arial"/>
               </a:rPr>
-              <a:t>Click to edit the title </a:t>
-            </a:r>
-            <a:r>
-              <a:rPr b="0" lang="ru-RU" sz="4400" spc="-1" strike="noStrike">
-                <a:latin typeface="Arial"/>
-              </a:rPr>
-              <a:t>text format</a:t>
+              <a:t>Click to edit the title text format</a:t>
             </a:r>
             <a:endParaRPr b="0" lang="ru-RU" sz="4400" spc="-1" strike="noStrike">
               <a:latin typeface="Arial"/>
@@ -6938,7 +6932,7 @@
         <p:spPr>
           <a:xfrm>
             <a:off x="457200" y="205200"/>
-            <a:ext cx="8228880" cy="858240"/>
+            <a:ext cx="8229240" cy="858600"/>
           </a:xfrm>
           <a:prstGeom prst="rect">
             <a:avLst/>
@@ -6949,13 +6943,14 @@
             <a:noAutofit/>
           </a:bodyPr>
           <a:p>
-            <a:r>
-              <a:rPr b="0" lang="ru-RU" sz="1800" spc="-1" strike="noStrike">
+            <a:pPr algn="ctr"/>
+            <a:r>
+              <a:rPr b="0" lang="ru-RU" sz="4400" spc="-1" strike="noStrike">
                 <a:latin typeface="Arial"/>
               </a:rPr>
               <a:t>Click to edit the title text format</a:t>
             </a:r>
-            <a:endParaRPr b="0" lang="ru-RU" sz="1800" spc="-1" strike="noStrike">
+            <a:endParaRPr b="0" lang="ru-RU" sz="4400" spc="-1" strike="noStrike">
               <a:latin typeface="Arial"/>
             </a:endParaRPr>
           </a:p>
@@ -6974,7 +6969,7 @@
         <p:spPr>
           <a:xfrm>
             <a:off x="457200" y="1203480"/>
-            <a:ext cx="8228880" cy="2982600"/>
+            <a:ext cx="8229240" cy="2982960"/>
           </a:xfrm>
           <a:prstGeom prst="rect">
             <a:avLst/>
@@ -6997,12 +6992,12 @@
               <a:buChar char=""/>
             </a:pPr>
             <a:r>
-              <a:rPr b="0" lang="ru-RU" sz="1800" spc="-1" strike="noStrike">
+              <a:rPr b="0" lang="ru-RU" sz="3200" spc="-1" strike="noStrike">
                 <a:latin typeface="Arial"/>
               </a:rPr>
               <a:t>Click to edit the outline text format</a:t>
             </a:r>
-            <a:endParaRPr b="0" lang="ru-RU" sz="1800" spc="-1" strike="noStrike">
+            <a:endParaRPr b="0" lang="ru-RU" sz="3200" spc="-1" strike="noStrike">
               <a:latin typeface="Arial"/>
             </a:endParaRPr>
           </a:p>
@@ -7019,12 +7014,12 @@
               <a:buChar char=""/>
             </a:pPr>
             <a:r>
-              <a:rPr b="0" lang="ru-RU" sz="1800" spc="-1" strike="noStrike">
+              <a:rPr b="0" lang="ru-RU" sz="2800" spc="-1" strike="noStrike">
                 <a:latin typeface="Arial"/>
               </a:rPr>
               <a:t>Second Outline Level</a:t>
             </a:r>
-            <a:endParaRPr b="0" lang="ru-RU" sz="1800" spc="-1" strike="noStrike">
+            <a:endParaRPr b="0" lang="ru-RU" sz="2800" spc="-1" strike="noStrike">
               <a:latin typeface="Arial"/>
             </a:endParaRPr>
           </a:p>
@@ -7041,12 +7036,12 @@
               <a:buChar char=""/>
             </a:pPr>
             <a:r>
-              <a:rPr b="0" lang="ru-RU" sz="1800" spc="-1" strike="noStrike">
+              <a:rPr b="0" lang="ru-RU" sz="2400" spc="-1" strike="noStrike">
                 <a:latin typeface="Arial"/>
               </a:rPr>
               <a:t>Third Outline Level</a:t>
             </a:r>
-            <a:endParaRPr b="0" lang="ru-RU" sz="1800" spc="-1" strike="noStrike">
+            <a:endParaRPr b="0" lang="ru-RU" sz="2400" spc="-1" strike="noStrike">
               <a:latin typeface="Arial"/>
             </a:endParaRPr>
           </a:p>
@@ -7063,12 +7058,12 @@
               <a:buChar char=""/>
             </a:pPr>
             <a:r>
-              <a:rPr b="0" lang="ru-RU" sz="1800" spc="-1" strike="noStrike">
+              <a:rPr b="0" lang="ru-RU" sz="2000" spc="-1" strike="noStrike">
                 <a:latin typeface="Arial"/>
               </a:rPr>
               <a:t>Fourth Outline Level</a:t>
             </a:r>
-            <a:endParaRPr b="0" lang="ru-RU" sz="1800" spc="-1" strike="noStrike">
+            <a:endParaRPr b="0" lang="ru-RU" sz="2000" spc="-1" strike="noStrike">
               <a:latin typeface="Arial"/>
             </a:endParaRPr>
           </a:p>
@@ -7085,12 +7080,12 @@
               <a:buChar char=""/>
             </a:pPr>
             <a:r>
-              <a:rPr b="0" lang="ru-RU" sz="1800" spc="-1" strike="noStrike">
+              <a:rPr b="0" lang="ru-RU" sz="2000" spc="-1" strike="noStrike">
                 <a:latin typeface="Arial"/>
               </a:rPr>
               <a:t>Fifth Outline Level</a:t>
             </a:r>
-            <a:endParaRPr b="0" lang="ru-RU" sz="1800" spc="-1" strike="noStrike">
+            <a:endParaRPr b="0" lang="ru-RU" sz="2000" spc="-1" strike="noStrike">
               <a:latin typeface="Arial"/>
             </a:endParaRPr>
           </a:p>
@@ -7107,12 +7102,12 @@
               <a:buChar char=""/>
             </a:pPr>
             <a:r>
-              <a:rPr b="0" lang="ru-RU" sz="1800" spc="-1" strike="noStrike">
+              <a:rPr b="0" lang="ru-RU" sz="2000" spc="-1" strike="noStrike">
                 <a:latin typeface="Arial"/>
               </a:rPr>
               <a:t>Sixth Outline Level</a:t>
             </a:r>
-            <a:endParaRPr b="0" lang="ru-RU" sz="1800" spc="-1" strike="noStrike">
+            <a:endParaRPr b="0" lang="ru-RU" sz="2000" spc="-1" strike="noStrike">
               <a:latin typeface="Arial"/>
             </a:endParaRPr>
           </a:p>
@@ -7129,12 +7124,12 @@
               <a:buChar char=""/>
             </a:pPr>
             <a:r>
-              <a:rPr b="0" lang="ru-RU" sz="1800" spc="-1" strike="noStrike">
+              <a:rPr b="0" lang="ru-RU" sz="2000" spc="-1" strike="noStrike">
                 <a:latin typeface="Arial"/>
               </a:rPr>
               <a:t>Seventh Outline Level</a:t>
             </a:r>
-            <a:endParaRPr b="0" lang="ru-RU" sz="1800" spc="-1" strike="noStrike">
+            <a:endParaRPr b="0" lang="ru-RU" sz="2000" spc="-1" strike="noStrike">
               <a:latin typeface="Arial"/>
             </a:endParaRPr>
           </a:p>
@@ -7446,7 +7441,7 @@
         <p:spPr>
           <a:xfrm>
             <a:off x="1746720" y="863640"/>
-            <a:ext cx="5441760" cy="1663920"/>
+            <a:ext cx="5441400" cy="1663560"/>
           </a:xfrm>
           <a:prstGeom prst="rect">
             <a:avLst/>
@@ -7500,7 +7495,7 @@
         <p:spPr>
           <a:xfrm>
             <a:off x="789120" y="2692800"/>
-            <a:ext cx="8183160" cy="860400"/>
+            <a:ext cx="8182800" cy="860040"/>
           </a:xfrm>
           <a:prstGeom prst="rect">
             <a:avLst/>
@@ -7584,7 +7579,7 @@
         <p:spPr>
           <a:xfrm>
             <a:off x="311760" y="264960"/>
-            <a:ext cx="8519760" cy="622800"/>
+            <a:ext cx="8519400" cy="622440"/>
           </a:xfrm>
           <a:prstGeom prst="rect">
             <a:avLst/>
@@ -7638,7 +7633,7 @@
         <p:spPr>
           <a:xfrm>
             <a:off x="509400" y="1245960"/>
-            <a:ext cx="7199640" cy="4248000"/>
+            <a:ext cx="7199280" cy="4247640"/>
           </a:xfrm>
           <a:custGeom>
             <a:avLst/>
@@ -8787,7 +8782,7 @@
         <p:spPr>
           <a:xfrm>
             <a:off x="311760" y="264960"/>
-            <a:ext cx="8519760" cy="622800"/>
+            <a:ext cx="8519400" cy="622440"/>
           </a:xfrm>
           <a:prstGeom prst="rect">
             <a:avLst/>
@@ -8850,27 +8845,7 @@
                 <a:latin typeface="Calibri"/>
                 <a:ea typeface="Raleway"/>
               </a:rPr>
-              <a:t>User </a:t>
-            </a:r>
-            <a:r>
-              <a:rPr b="1" lang="en-US" sz="5000" spc="-1" strike="noStrike">
-                <a:solidFill>
-                  <a:srgbClr val="000000"/>
-                </a:solidFill>
-                <a:latin typeface="Calibri"/>
-                <a:ea typeface="Raleway"/>
-              </a:rPr>
-              <a:t>Test </a:t>
-            </a:r>
-            <a:r>
-              <a:rPr b="1" lang="en-US" sz="5000" spc="-1" strike="noStrike">
-                <a:solidFill>
-                  <a:srgbClr val="000000"/>
-                </a:solidFill>
-                <a:latin typeface="Calibri"/>
-                <a:ea typeface="Raleway"/>
-              </a:rPr>
-              <a:t>class</a:t>
+              <a:t>User Test class</a:t>
             </a:r>
             <a:endParaRPr b="0" lang="ru-RU" sz="5000" spc="-1" strike="noStrike">
               <a:latin typeface="Arial"/>
@@ -8887,7 +8862,7 @@
         <p:spPr>
           <a:xfrm>
             <a:off x="288360" y="1368000"/>
-            <a:ext cx="8567640" cy="4027320"/>
+            <a:ext cx="8567280" cy="4026960"/>
           </a:xfrm>
           <a:custGeom>
             <a:avLst/>
@@ -10121,7 +10096,7 @@
         <p:spPr>
           <a:xfrm>
             <a:off x="320040" y="540360"/>
-            <a:ext cx="8671680" cy="3958560"/>
+            <a:ext cx="8671320" cy="3958200"/>
           </a:xfrm>
           <a:prstGeom prst="rect">
             <a:avLst/>
@@ -10139,8 +10114,8 @@
         </p:nvSpPr>
         <p:spPr>
           <a:xfrm rot="10800000">
-            <a:off x="4500720" y="732600"/>
-            <a:ext cx="1175760" cy="147240"/>
+            <a:off x="4501080" y="732600"/>
+            <a:ext cx="1175400" cy="146880"/>
           </a:xfrm>
           <a:custGeom>
             <a:avLst/>
@@ -10183,7 +10158,7 @@
         <p:spPr>
           <a:xfrm>
             <a:off x="5809680" y="636480"/>
-            <a:ext cx="2012400" cy="324720"/>
+            <a:ext cx="2012040" cy="324360"/>
           </a:xfrm>
           <a:prstGeom prst="rect">
             <a:avLst/>
@@ -10267,7 +10242,7 @@
         <p:spPr>
           <a:xfrm>
             <a:off x="311760" y="84960"/>
-            <a:ext cx="8519760" cy="622800"/>
+            <a:ext cx="8519400" cy="622440"/>
           </a:xfrm>
           <a:prstGeom prst="rect">
             <a:avLst/>
@@ -10321,7 +10296,7 @@
         <p:spPr>
           <a:xfrm>
             <a:off x="311760" y="648360"/>
-            <a:ext cx="8519760" cy="3415680"/>
+            <a:ext cx="8519400" cy="3415320"/>
           </a:xfrm>
           <a:prstGeom prst="rect">
             <a:avLst/>
@@ -10498,14 +10473,14 @@
             </a:endParaRPr>
           </a:p>
           <a:p>
-            <a:pPr marL="216000" indent="-216000" algn="just">
+            <a:pPr marL="216000" indent="-215640" algn="just">
               <a:lnSpc>
                 <a:spcPct val="115000"/>
               </a:lnSpc>
               <a:buClr>
                 <a:srgbClr val="1f1f1f"/>
               </a:buClr>
-              <a:buFont typeface="Symbol" charset="2"/>
+              <a:buFont typeface="Symbol"/>
               <a:buChar char=""/>
               <a:tabLst>
                 <a:tab algn="l" pos="0"/>
@@ -10594,14 +10569,14 @@
             </a:endParaRPr>
           </a:p>
           <a:p>
-            <a:pPr marL="216000" indent="-216000" algn="just">
+            <a:pPr marL="216000" indent="-215640" algn="just">
               <a:lnSpc>
                 <a:spcPct val="115000"/>
               </a:lnSpc>
               <a:buClr>
                 <a:srgbClr val="1f1f1f"/>
               </a:buClr>
-              <a:buFont typeface="Symbol" charset="2"/>
+              <a:buFont typeface="Symbol"/>
               <a:buChar char=""/>
               <a:tabLst>
                 <a:tab algn="l" pos="0"/>
@@ -10677,14 +10652,14 @@
             </a:endParaRPr>
           </a:p>
           <a:p>
-            <a:pPr marL="216000" indent="-216000" algn="just">
+            <a:pPr marL="216000" indent="-215640" algn="just">
               <a:lnSpc>
                 <a:spcPct val="115000"/>
               </a:lnSpc>
               <a:buClr>
                 <a:srgbClr val="1f1f1f"/>
               </a:buClr>
-              <a:buFont typeface="Symbol" charset="2"/>
+              <a:buFont typeface="Symbol"/>
               <a:buChar char=""/>
               <a:tabLst>
                 <a:tab algn="l" pos="0"/>
@@ -10721,14 +10696,14 @@
             </a:endParaRPr>
           </a:p>
           <a:p>
-            <a:pPr marL="216000" indent="-216000" algn="just">
+            <a:pPr marL="216000" indent="-215640" algn="just">
               <a:lnSpc>
                 <a:spcPct val="115000"/>
               </a:lnSpc>
               <a:buClr>
                 <a:srgbClr val="1f1f1f"/>
               </a:buClr>
-              <a:buFont typeface="Symbol" charset="2"/>
+              <a:buFont typeface="Symbol"/>
               <a:buChar char=""/>
               <a:tabLst>
                 <a:tab algn="l" pos="0"/>
@@ -10831,7 +10806,7 @@
         <p:spPr>
           <a:xfrm>
             <a:off x="311760" y="84960"/>
-            <a:ext cx="8519760" cy="622800"/>
+            <a:ext cx="8519400" cy="622440"/>
           </a:xfrm>
           <a:prstGeom prst="rect">
             <a:avLst/>
@@ -10885,7 +10860,7 @@
         <p:spPr>
           <a:xfrm>
             <a:off x="311760" y="648360"/>
-            <a:ext cx="8519760" cy="3415680"/>
+            <a:ext cx="8519400" cy="3415320"/>
           </a:xfrm>
           <a:prstGeom prst="rect">
             <a:avLst/>
@@ -11114,15 +11089,10 @@
             </a:endParaRPr>
           </a:p>
           <a:p>
-            <a:pPr marL="216000" indent="-216000" algn="just">
+            <a:pPr algn="just">
               <a:lnSpc>
                 <a:spcPct val="115000"/>
               </a:lnSpc>
-              <a:buClr>
-                <a:srgbClr val="1f1f1f"/>
-              </a:buClr>
-              <a:buFont typeface="Symbol" charset="2"/>
-              <a:buChar char=""/>
               <a:tabLst>
                 <a:tab algn="l" pos="0"/>
               </a:tabLst>
@@ -11142,7 +11112,7 @@
         <p:spPr>
           <a:xfrm>
             <a:off x="540000" y="2535480"/>
-            <a:ext cx="5237280" cy="1064520"/>
+            <a:ext cx="5236920" cy="1064160"/>
           </a:xfrm>
           <a:custGeom>
             <a:avLst/>
@@ -11188,6 +11158,11 @@
             <a:noAutofit/>
           </a:bodyPr>
           <a:p>
+            <a:pPr>
+              <a:lnSpc>
+                <a:spcPct val="100000"/>
+              </a:lnSpc>
+            </a:pPr>
             <a:r>
               <a:rPr b="0" lang="ru-RU" sz="1400" spc="-1" strike="noStrike">
                 <a:solidFill>
@@ -11356,7 +11331,7 @@
         <p:spPr>
           <a:xfrm>
             <a:off x="1980000" y="3780000"/>
-            <a:ext cx="5237280" cy="1260000"/>
+            <a:ext cx="5236920" cy="1259640"/>
           </a:xfrm>
           <a:custGeom>
             <a:avLst/>
@@ -11402,6 +11377,11 @@
             <a:noAutofit/>
           </a:bodyPr>
           <a:p>
+            <a:pPr>
+              <a:lnSpc>
+                <a:spcPct val="100000"/>
+              </a:lnSpc>
+            </a:pPr>
             <a:r>
               <a:rPr b="0" lang="ru-RU" sz="1300" spc="-1" strike="noStrike">
                 <a:solidFill>
@@ -11625,14 +11605,14 @@
       </p:sp>
       <p:sp>
         <p:nvSpPr>
-          <p:cNvPr id="207" name="TextShape 5"/>
-          <p:cNvSpPr txBox="1"/>
+          <p:cNvPr id="207" name="CustomShape 5"/>
+          <p:cNvSpPr/>
           <p:nvPr/>
         </p:nvSpPr>
         <p:spPr>
           <a:xfrm>
             <a:off x="4719600" y="3240000"/>
-            <a:ext cx="891000" cy="346320"/>
+            <a:ext cx="890640" cy="345960"/>
           </a:xfrm>
           <a:prstGeom prst="rect">
             <a:avLst/>
@@ -11642,11 +11622,22 @@
             <a:noFill/>
           </a:ln>
         </p:spPr>
+        <p:style>
+          <a:lnRef idx="0"/>
+          <a:fillRef idx="0"/>
+          <a:effectRef idx="0"/>
+          <a:fontRef idx="minor"/>
+        </p:style>
         <p:txBody>
           <a:bodyPr lIns="90000" rIns="90000" tIns="45000" bIns="45000">
             <a:noAutofit/>
           </a:bodyPr>
           <a:p>
+            <a:pPr>
+              <a:lnSpc>
+                <a:spcPct val="100000"/>
+              </a:lnSpc>
+            </a:pPr>
             <a:r>
               <a:rPr b="0" lang="ru-RU" sz="1800" spc="-1" strike="noStrike">
                 <a:solidFill>
@@ -11657,24 +11648,21 @@
               <a:t>JUnit 4</a:t>
             </a:r>
             <a:endParaRPr b="0" lang="ru-RU" sz="1800" spc="-1" strike="noStrike">
-              <a:solidFill>
-                <a:srgbClr val="ff8000"/>
-              </a:solidFill>
-              <a:latin typeface="Arial"/>
-            </a:endParaRPr>
-          </a:p>
-        </p:txBody>
-      </p:sp>
-      <p:sp>
-        <p:nvSpPr>
-          <p:cNvPr id="208" name="TextShape 6"/>
-          <p:cNvSpPr txBox="1"/>
+              <a:latin typeface="Arial"/>
+            </a:endParaRPr>
+          </a:p>
+        </p:txBody>
+      </p:sp>
+      <p:sp>
+        <p:nvSpPr>
+          <p:cNvPr id="208" name="CustomShape 6"/>
+          <p:cNvSpPr/>
           <p:nvPr/>
         </p:nvSpPr>
         <p:spPr>
           <a:xfrm>
             <a:off x="6013080" y="4680000"/>
-            <a:ext cx="891000" cy="346320"/>
+            <a:ext cx="890640" cy="345960"/>
           </a:xfrm>
           <a:prstGeom prst="rect">
             <a:avLst/>
@@ -11684,11 +11672,22 @@
             <a:noFill/>
           </a:ln>
         </p:spPr>
+        <p:style>
+          <a:lnRef idx="0"/>
+          <a:fillRef idx="0"/>
+          <a:effectRef idx="0"/>
+          <a:fontRef idx="minor"/>
+        </p:style>
         <p:txBody>
           <a:bodyPr lIns="90000" rIns="90000" tIns="45000" bIns="45000">
             <a:noAutofit/>
           </a:bodyPr>
           <a:p>
+            <a:pPr>
+              <a:lnSpc>
+                <a:spcPct val="100000"/>
+              </a:lnSpc>
+            </a:pPr>
             <a:r>
               <a:rPr b="0" lang="ru-RU" sz="1800" spc="-1" strike="noStrike">
                 <a:solidFill>
@@ -11699,9 +11698,6 @@
               <a:t>JUnit 5</a:t>
             </a:r>
             <a:endParaRPr b="0" lang="ru-RU" sz="1800" spc="-1" strike="noStrike">
-              <a:solidFill>
-                <a:srgbClr val="00a933"/>
-              </a:solidFill>
               <a:latin typeface="Arial"/>
             </a:endParaRPr>
           </a:p>
@@ -11746,7 +11742,7 @@
         <p:spPr>
           <a:xfrm>
             <a:off x="311760" y="84960"/>
-            <a:ext cx="8519760" cy="622800"/>
+            <a:ext cx="8519400" cy="622440"/>
           </a:xfrm>
           <a:prstGeom prst="rect">
             <a:avLst/>
@@ -11800,7 +11796,7 @@
         <p:spPr>
           <a:xfrm>
             <a:off x="311760" y="648360"/>
-            <a:ext cx="8519760" cy="3415680"/>
+            <a:ext cx="8519400" cy="3415320"/>
           </a:xfrm>
           <a:prstGeom prst="rect">
             <a:avLst/>
@@ -11847,15 +11843,10 @@
             </a:endParaRPr>
           </a:p>
           <a:p>
-            <a:pPr marL="216000" indent="-216000" algn="just">
+            <a:pPr algn="just">
               <a:lnSpc>
                 <a:spcPct val="115000"/>
               </a:lnSpc>
-              <a:buClr>
-                <a:srgbClr val="1f1f1f"/>
-              </a:buClr>
-              <a:buFont typeface="Symbol" charset="2"/>
-              <a:buChar char=""/>
               <a:tabLst>
                 <a:tab algn="l" pos="0"/>
               </a:tabLst>
@@ -11875,7 +11866,7 @@
         <p:spPr>
           <a:xfrm>
             <a:off x="305640" y="1512720"/>
-            <a:ext cx="5237280" cy="1064520"/>
+            <a:ext cx="5236920" cy="1064160"/>
           </a:xfrm>
           <a:custGeom>
             <a:avLst/>
@@ -11921,6 +11912,11 @@
             <a:noAutofit/>
           </a:bodyPr>
           <a:p>
+            <a:pPr>
+              <a:lnSpc>
+                <a:spcPct val="100000"/>
+              </a:lnSpc>
+            </a:pPr>
             <a:r>
               <a:rPr b="0" lang="ru-RU" sz="1200" spc="-1" strike="noStrike">
                 <a:solidFill>
@@ -12119,7 +12115,7 @@
         <p:spPr>
           <a:xfrm>
             <a:off x="2268000" y="3276000"/>
-            <a:ext cx="5237280" cy="1260000"/>
+            <a:ext cx="5236920" cy="1259640"/>
           </a:xfrm>
           <a:custGeom>
             <a:avLst/>
@@ -12165,6 +12161,11 @@
             <a:noAutofit/>
           </a:bodyPr>
           <a:p>
+            <a:pPr>
+              <a:lnSpc>
+                <a:spcPct val="100000"/>
+              </a:lnSpc>
+            </a:pPr>
             <a:r>
               <a:rPr b="0" lang="ru-RU" sz="1200" spc="-1" strike="noStrike">
                 <a:solidFill>
@@ -12352,6 +12353,11 @@
             </a:endParaRPr>
           </a:p>
           <a:p>
+            <a:pPr>
+              <a:lnSpc>
+                <a:spcPct val="100000"/>
+              </a:lnSpc>
+            </a:pPr>
             <a:r>
               <a:rPr b="0" lang="ru-RU" sz="1200" spc="-1" strike="noStrike">
                 <a:solidFill>
@@ -12451,14 +12457,14 @@
       </p:sp>
       <p:sp>
         <p:nvSpPr>
-          <p:cNvPr id="213" name="TextShape 5"/>
-          <p:cNvSpPr txBox="1"/>
+          <p:cNvPr id="213" name="CustomShape 5"/>
+          <p:cNvSpPr/>
           <p:nvPr/>
         </p:nvSpPr>
         <p:spPr>
           <a:xfrm>
             <a:off x="4451760" y="2176560"/>
-            <a:ext cx="891000" cy="346320"/>
+            <a:ext cx="890640" cy="345960"/>
           </a:xfrm>
           <a:prstGeom prst="rect">
             <a:avLst/>
@@ -12468,11 +12474,22 @@
             <a:noFill/>
           </a:ln>
         </p:spPr>
+        <p:style>
+          <a:lnRef idx="0"/>
+          <a:fillRef idx="0"/>
+          <a:effectRef idx="0"/>
+          <a:fontRef idx="minor"/>
+        </p:style>
         <p:txBody>
           <a:bodyPr lIns="90000" rIns="90000" tIns="45000" bIns="45000">
             <a:noAutofit/>
           </a:bodyPr>
           <a:p>
+            <a:pPr>
+              <a:lnSpc>
+                <a:spcPct val="100000"/>
+              </a:lnSpc>
+            </a:pPr>
             <a:r>
               <a:rPr b="0" lang="ru-RU" sz="1800" spc="-1" strike="noStrike">
                 <a:solidFill>
@@ -12483,24 +12500,21 @@
               <a:t>JUnit 4</a:t>
             </a:r>
             <a:endParaRPr b="0" lang="ru-RU" sz="1800" spc="-1" strike="noStrike">
-              <a:solidFill>
-                <a:srgbClr val="ff8000"/>
-              </a:solidFill>
-              <a:latin typeface="Arial"/>
-            </a:endParaRPr>
-          </a:p>
-        </p:txBody>
-      </p:sp>
-      <p:sp>
-        <p:nvSpPr>
-          <p:cNvPr id="214" name="TextShape 6"/>
-          <p:cNvSpPr txBox="1"/>
+              <a:latin typeface="Arial"/>
+            </a:endParaRPr>
+          </a:p>
+        </p:txBody>
+      </p:sp>
+      <p:sp>
+        <p:nvSpPr>
+          <p:cNvPr id="214" name="CustomShape 6"/>
+          <p:cNvSpPr/>
           <p:nvPr/>
         </p:nvSpPr>
         <p:spPr>
           <a:xfrm>
             <a:off x="6301080" y="4176000"/>
-            <a:ext cx="891000" cy="346320"/>
+            <a:ext cx="890640" cy="345960"/>
           </a:xfrm>
           <a:prstGeom prst="rect">
             <a:avLst/>
@@ -12510,11 +12524,22 @@
             <a:noFill/>
           </a:ln>
         </p:spPr>
+        <p:style>
+          <a:lnRef idx="0"/>
+          <a:fillRef idx="0"/>
+          <a:effectRef idx="0"/>
+          <a:fontRef idx="minor"/>
+        </p:style>
         <p:txBody>
           <a:bodyPr lIns="90000" rIns="90000" tIns="45000" bIns="45000">
             <a:noAutofit/>
           </a:bodyPr>
           <a:p>
+            <a:pPr>
+              <a:lnSpc>
+                <a:spcPct val="100000"/>
+              </a:lnSpc>
+            </a:pPr>
             <a:r>
               <a:rPr b="0" lang="ru-RU" sz="1800" spc="-1" strike="noStrike">
                 <a:solidFill>
@@ -12525,9 +12550,6 @@
               <a:t>JUnit 5</a:t>
             </a:r>
             <a:endParaRPr b="0" lang="ru-RU" sz="1800" spc="-1" strike="noStrike">
-              <a:solidFill>
-                <a:srgbClr val="00a933"/>
-              </a:solidFill>
               <a:latin typeface="Arial"/>
             </a:endParaRPr>
           </a:p>
@@ -12572,7 +12594,7 @@
         <p:spPr>
           <a:xfrm>
             <a:off x="311760" y="84960"/>
-            <a:ext cx="8519760" cy="622800"/>
+            <a:ext cx="8519400" cy="622440"/>
           </a:xfrm>
           <a:prstGeom prst="rect">
             <a:avLst/>
@@ -12626,7 +12648,7 @@
         <p:spPr>
           <a:xfrm>
             <a:off x="311760" y="648360"/>
-            <a:ext cx="8519760" cy="3415680"/>
+            <a:ext cx="8519400" cy="3415320"/>
           </a:xfrm>
           <a:prstGeom prst="rect">
             <a:avLst/>
@@ -12673,14 +12695,14 @@
             </a:endParaRPr>
           </a:p>
           <a:p>
-            <a:pPr marL="216000" indent="-216000" algn="just">
+            <a:pPr marL="216000" indent="-215640" algn="just">
               <a:lnSpc>
                 <a:spcPct val="115000"/>
               </a:lnSpc>
               <a:buClr>
                 <a:srgbClr val="1f1f1f"/>
               </a:buClr>
-              <a:buFont typeface="Symbol" charset="2"/>
+              <a:buFont typeface="Symbol"/>
               <a:buChar char=""/>
               <a:tabLst>
                 <a:tab algn="l" pos="0"/>
@@ -12730,14 +12752,14 @@
             </a:endParaRPr>
           </a:p>
           <a:p>
-            <a:pPr marL="216000" indent="-216000" algn="just">
+            <a:pPr marL="216000" indent="-215640" algn="just">
               <a:lnSpc>
                 <a:spcPct val="115000"/>
               </a:lnSpc>
               <a:buClr>
                 <a:srgbClr val="1f1f1f"/>
               </a:buClr>
-              <a:buFont typeface="Symbol" charset="2"/>
+              <a:buFont typeface="Symbol"/>
               <a:buChar char=""/>
               <a:tabLst>
                 <a:tab algn="l" pos="0"/>
@@ -12787,14 +12809,14 @@
             </a:endParaRPr>
           </a:p>
           <a:p>
-            <a:pPr marL="216000" indent="-216000" algn="just">
+            <a:pPr marL="216000" indent="-215640" algn="just">
               <a:lnSpc>
                 <a:spcPct val="115000"/>
               </a:lnSpc>
               <a:buClr>
                 <a:srgbClr val="1f1f1f"/>
               </a:buClr>
-              <a:buFont typeface="Symbol" charset="2"/>
+              <a:buFont typeface="Symbol"/>
               <a:buChar char=""/>
               <a:tabLst>
                 <a:tab algn="l" pos="0"/>
@@ -12844,14 +12866,14 @@
             </a:endParaRPr>
           </a:p>
           <a:p>
-            <a:pPr marL="216000" indent="-216000" algn="just">
+            <a:pPr marL="216000" indent="-215640" algn="just">
               <a:lnSpc>
                 <a:spcPct val="115000"/>
               </a:lnSpc>
               <a:buClr>
                 <a:srgbClr val="1f1f1f"/>
               </a:buClr>
-              <a:buFont typeface="Symbol" charset="2"/>
+              <a:buFont typeface="Symbol"/>
               <a:buChar char=""/>
               <a:tabLst>
                 <a:tab algn="l" pos="0"/>
@@ -12901,14 +12923,14 @@
             </a:endParaRPr>
           </a:p>
           <a:p>
-            <a:pPr marL="216000" indent="-216000" algn="just">
+            <a:pPr marL="216000" indent="-215640" algn="just">
               <a:lnSpc>
                 <a:spcPct val="115000"/>
               </a:lnSpc>
               <a:buClr>
                 <a:srgbClr val="1f1f1f"/>
               </a:buClr>
-              <a:buFont typeface="Symbol" charset="2"/>
+              <a:buFont typeface="Symbol"/>
               <a:buChar char=""/>
               <a:tabLst>
                 <a:tab algn="l" pos="0"/>
@@ -12958,14 +12980,14 @@
             </a:endParaRPr>
           </a:p>
           <a:p>
-            <a:pPr marL="216000" indent="-216000" algn="just">
+            <a:pPr marL="216000" indent="-215640" algn="just">
               <a:lnSpc>
                 <a:spcPct val="115000"/>
               </a:lnSpc>
               <a:buClr>
                 <a:srgbClr val="1f1f1f"/>
               </a:buClr>
-              <a:buFont typeface="Symbol" charset="2"/>
+              <a:buFont typeface="Symbol"/>
               <a:buChar char=""/>
               <a:tabLst>
                 <a:tab algn="l" pos="0"/>
@@ -13015,14 +13037,14 @@
             </a:endParaRPr>
           </a:p>
           <a:p>
-            <a:pPr marL="216000" indent="-216000" algn="just">
+            <a:pPr marL="216000" indent="-215640" algn="just">
               <a:lnSpc>
                 <a:spcPct val="115000"/>
               </a:lnSpc>
               <a:buClr>
                 <a:srgbClr val="1f1f1f"/>
               </a:buClr>
-              <a:buFont typeface="Symbol" charset="2"/>
+              <a:buFont typeface="Symbol"/>
               <a:buChar char=""/>
               <a:tabLst>
                 <a:tab algn="l" pos="0"/>
@@ -13138,7 +13160,7 @@
         <p:spPr>
           <a:xfrm>
             <a:off x="311760" y="84960"/>
-            <a:ext cx="8519760" cy="622800"/>
+            <a:ext cx="8519400" cy="622440"/>
           </a:xfrm>
           <a:prstGeom prst="rect">
             <a:avLst/>
@@ -13192,7 +13214,7 @@
         <p:spPr>
           <a:xfrm>
             <a:off x="311760" y="648360"/>
-            <a:ext cx="8519760" cy="3415680"/>
+            <a:ext cx="8519400" cy="3415320"/>
           </a:xfrm>
           <a:prstGeom prst="rect">
             <a:avLst/>
@@ -13552,7 +13574,7 @@
         <p:spPr>
           <a:xfrm>
             <a:off x="311760" y="653400"/>
-            <a:ext cx="3705840" cy="3333960"/>
+            <a:ext cx="3705480" cy="3333600"/>
           </a:xfrm>
           <a:prstGeom prst="rect">
             <a:avLst/>
@@ -13606,7 +13628,7 @@
         <p:spPr>
           <a:xfrm>
             <a:off x="4620600" y="653400"/>
-            <a:ext cx="4210920" cy="3740760"/>
+            <a:ext cx="4210560" cy="3740400"/>
           </a:xfrm>
           <a:prstGeom prst="rect">
             <a:avLst/>
@@ -13703,7 +13725,7 @@
         <p:spPr>
           <a:xfrm>
             <a:off x="311760" y="444960"/>
-            <a:ext cx="8519760" cy="622800"/>
+            <a:ext cx="8519400" cy="622440"/>
           </a:xfrm>
           <a:prstGeom prst="rect">
             <a:avLst/>
@@ -13791,7 +13813,7 @@
         <p:spPr>
           <a:xfrm>
             <a:off x="5830200" y="631080"/>
-            <a:ext cx="2809800" cy="4228920"/>
+            <a:ext cx="2809440" cy="4228560"/>
           </a:xfrm>
           <a:prstGeom prst="rect">
             <a:avLst/>
@@ -13810,7 +13832,7 @@
         <p:spPr>
           <a:xfrm>
             <a:off x="311760" y="1152360"/>
-            <a:ext cx="5518440" cy="3415680"/>
+            <a:ext cx="5518080" cy="3415320"/>
           </a:xfrm>
           <a:prstGeom prst="rect">
             <a:avLst/>
@@ -14010,20 +14032,7 @@
                 <a:latin typeface="Source Sans Pro"/>
                 <a:ea typeface="Source Sans Pro"/>
               </a:rPr>
-              <a:t> теста. </a:t>
-            </a:r>
-            <a:r>
-              <a:rPr b="0" lang="ru" sz="1800" spc="-1" strike="noStrike">
-                <a:solidFill>
-                  <a:srgbClr val="000000"/>
-                </a:solidFill>
-                <a:highlight>
-                  <a:srgbClr val="ffffff"/>
-                </a:highlight>
-                <a:latin typeface="Source Sans Pro"/>
-                <a:ea typeface="Source Sans Pro"/>
-              </a:rPr>
-              <a:t>Фактический результат не отличается от полученного.</a:t>
+              <a:t> теста. Фактический результат не отличается от полученного.</a:t>
             </a:r>
             <a:endParaRPr b="0" lang="ru-RU" sz="1800" spc="-1" strike="noStrike">
               <a:latin typeface="Arial"/>
@@ -14070,7 +14079,7 @@
         <p:spPr>
           <a:xfrm>
             <a:off x="311760" y="444960"/>
-            <a:ext cx="8519760" cy="622800"/>
+            <a:ext cx="8519400" cy="622440"/>
           </a:xfrm>
           <a:prstGeom prst="rect">
             <a:avLst/>
@@ -14124,7 +14133,7 @@
         <p:spPr>
           <a:xfrm>
             <a:off x="311760" y="1152360"/>
-            <a:ext cx="8519760" cy="3415680"/>
+            <a:ext cx="8519400" cy="3415320"/>
           </a:xfrm>
           <a:prstGeom prst="rect">
             <a:avLst/>
@@ -14145,7 +14154,7 @@
             <a:noAutofit/>
           </a:bodyPr>
           <a:p>
-            <a:pPr marL="457200" indent="-342360">
+            <a:pPr marL="457200" indent="-342000">
               <a:lnSpc>
                 <a:spcPct val="115000"/>
               </a:lnSpc>
@@ -14170,7 +14179,7 @@
             </a:endParaRPr>
           </a:p>
           <a:p>
-            <a:pPr marL="457200" indent="-342360">
+            <a:pPr marL="457200" indent="-342000">
               <a:lnSpc>
                 <a:spcPct val="115000"/>
               </a:lnSpc>
@@ -14211,7 +14220,7 @@
             </a:endParaRPr>
           </a:p>
           <a:p>
-            <a:pPr marL="457200" indent="-342360">
+            <a:pPr marL="457200" indent="-342000">
               <a:lnSpc>
                 <a:spcPct val="115000"/>
               </a:lnSpc>
@@ -14239,7 +14248,7 @@
             </a:endParaRPr>
           </a:p>
           <a:p>
-            <a:pPr marL="457200" indent="-342360">
+            <a:pPr marL="457200" indent="-342000">
               <a:lnSpc>
                 <a:spcPct val="115000"/>
               </a:lnSpc>
@@ -14307,7 +14316,7 @@
         <p:spPr>
           <a:xfrm>
             <a:off x="311760" y="264960"/>
-            <a:ext cx="8519760" cy="622800"/>
+            <a:ext cx="8519400" cy="622440"/>
           </a:xfrm>
           <a:prstGeom prst="rect">
             <a:avLst/>
@@ -14361,7 +14370,7 @@
         <p:spPr>
           <a:xfrm>
             <a:off x="311760" y="720360"/>
-            <a:ext cx="8519760" cy="3415680"/>
+            <a:ext cx="8519400" cy="3415320"/>
           </a:xfrm>
           <a:prstGeom prst="rect">
             <a:avLst/>
@@ -14662,7 +14671,7 @@
         <p:spPr>
           <a:xfrm>
             <a:off x="311760" y="444960"/>
-            <a:ext cx="8519760" cy="622800"/>
+            <a:ext cx="8519400" cy="622440"/>
           </a:xfrm>
           <a:prstGeom prst="rect">
             <a:avLst/>
@@ -14716,7 +14725,7 @@
         <p:spPr>
           <a:xfrm>
             <a:off x="311760" y="1152360"/>
-            <a:ext cx="8519760" cy="3415680"/>
+            <a:ext cx="8519400" cy="3415320"/>
           </a:xfrm>
           <a:prstGeom prst="rect">
             <a:avLst/>
@@ -15724,7 +15733,7 @@
         <p:spPr>
           <a:xfrm>
             <a:off x="311760" y="264960"/>
-            <a:ext cx="8519760" cy="622800"/>
+            <a:ext cx="8519400" cy="622440"/>
           </a:xfrm>
           <a:prstGeom prst="rect">
             <a:avLst/>
@@ -15778,7 +15787,7 @@
         <p:spPr>
           <a:xfrm>
             <a:off x="509400" y="1245960"/>
-            <a:ext cx="7199640" cy="4248000"/>
+            <a:ext cx="7199280" cy="4247640"/>
           </a:xfrm>
           <a:custGeom>
             <a:avLst/>
@@ -15822,6 +15831,11 @@
             <a:noAutofit/>
           </a:bodyPr>
           <a:p>
+            <a:pPr>
+              <a:lnSpc>
+                <a:spcPct val="100000"/>
+              </a:lnSpc>
+            </a:pPr>
             <a:r>
               <a:rPr b="1" lang="ru-RU" sz="1400" spc="-1" strike="noStrike">
                 <a:solidFill>
@@ -15840,17 +15854,7 @@
                 <a:latin typeface="JetBrains Mono"/>
                 <a:ea typeface="JetBrains Mono"/>
               </a:rPr>
-              <a:t>CalcualtorUt</a:t>
-            </a:r>
-            <a:r>
-              <a:rPr b="1" lang="ru-RU" sz="1400" spc="-1" strike="noStrike">
-                <a:solidFill>
-                  <a:srgbClr val="000000"/>
-                </a:solidFill>
-                <a:latin typeface="JetBrains Mono"/>
-                <a:ea typeface="JetBrains Mono"/>
-              </a:rPr>
-              <a:t>ils </a:t>
+              <a:t>CalcualtorUtils </a:t>
             </a:r>
             <a:r>
               <a:rPr b="1" lang="ru-RU" sz="1400" spc="-1" strike="noStrike">
@@ -16372,67 +16376,27 @@
                 <a:latin typeface="JetBrains Mono"/>
                 <a:ea typeface="JetBrains Mono"/>
               </a:rPr>
-              <a:t>throw </a:t>
+              <a:t>throw new </a:t>
             </a:r>
             <a:r>
               <a:rPr b="1" lang="ru-RU" sz="1400" spc="-1" strike="noStrike">
                 <a:solidFill>
-                  <a:srgbClr val="0033b3"/>
-                </a:solidFill>
-                <a:latin typeface="JetBrains Mono"/>
-                <a:ea typeface="JetBrains Mono"/>
-              </a:rPr>
-              <a:t>new </a:t>
+                  <a:srgbClr val="080808"/>
+                </a:solidFill>
+                <a:latin typeface="JetBrains Mono"/>
+                <a:ea typeface="JetBrains Mono"/>
+              </a:rPr>
+              <a:t>ArithmeticException(</a:t>
             </a:r>
             <a:r>
               <a:rPr b="1" lang="ru-RU" sz="1400" spc="-1" strike="noStrike">
                 <a:solidFill>
-                  <a:srgbClr val="080808"/>
-                </a:solidFill>
-                <a:latin typeface="JetBrains Mono"/>
-                <a:ea typeface="JetBrains Mono"/>
-              </a:rPr>
-              <a:t>ArithmeticE</a:t>
-            </a:r>
-            <a:r>
-              <a:rPr b="1" lang="ru-RU" sz="1400" spc="-1" strike="noStrike">
-                <a:solidFill>
-                  <a:srgbClr val="080808"/>
-                </a:solidFill>
-                <a:latin typeface="JetBrains Mono"/>
-                <a:ea typeface="JetBrains Mono"/>
-              </a:rPr>
-              <a:t>xception(</a:t>
-            </a:r>
-            <a:r>
-              <a:rPr b="1" lang="ru-RU" sz="1400" spc="-1" strike="noStrike">
-                <a:solidFill>
                   <a:srgbClr val="067d17"/>
                 </a:solidFill>
                 <a:latin typeface="JetBrains Mono"/>
                 <a:ea typeface="JetBrains Mono"/>
               </a:rPr>
-              <a:t>"Di</a:t>
-            </a:r>
-            <a:r>
-              <a:rPr b="1" lang="ru-RU" sz="1400" spc="-1" strike="noStrike">
-                <a:solidFill>
-                  <a:srgbClr val="067d17"/>
-                </a:solidFill>
-                <a:latin typeface="JetBrains Mono"/>
-                <a:ea typeface="JetBrains Mono"/>
-              </a:rPr>
-              <a:t>vide by </a:t>
-            </a:r>
-            <a:r>
-              <a:rPr b="1" lang="ru-RU" sz="1400" spc="-1" strike="noStrike">
-                <a:solidFill>
-                  <a:srgbClr val="067d17"/>
-                </a:solidFill>
-                <a:latin typeface="JetBrains Mono"/>
-                <a:ea typeface="JetBrains Mono"/>
-              </a:rPr>
-              <a:t>null"</a:t>
+              <a:t>"Divide by null"</a:t>
             </a:r>
             <a:r>
               <a:rPr b="1" lang="ru-RU" sz="1400" spc="-1" strike="noStrike">
@@ -16544,7 +16508,7 @@
         <p:spPr>
           <a:xfrm>
             <a:off x="311760" y="264960"/>
-            <a:ext cx="8519760" cy="622800"/>
+            <a:ext cx="8519400" cy="622440"/>
           </a:xfrm>
           <a:prstGeom prst="rect">
             <a:avLst/>
@@ -16598,7 +16562,7 @@
         <p:spPr>
           <a:xfrm>
             <a:off x="257400" y="957960"/>
-            <a:ext cx="4422600" cy="4248000"/>
+            <a:ext cx="4422240" cy="4247640"/>
           </a:xfrm>
           <a:custGeom>
             <a:avLst/>
@@ -16644,6 +16608,11 @@
             <a:noAutofit/>
           </a:bodyPr>
           <a:p>
+            <a:pPr>
+              <a:lnSpc>
+                <a:spcPct val="100000"/>
+              </a:lnSpc>
+            </a:pPr>
             <a:r>
               <a:rPr b="1" lang="ru-RU" sz="1200" spc="-1" strike="noStrike">
                 <a:solidFill>
@@ -16662,17 +16631,7 @@
                 <a:latin typeface="JetBrains Mono"/>
                 <a:ea typeface="JetBrains Mono"/>
               </a:rPr>
-              <a:t>CalcualtorUtils</a:t>
-            </a:r>
-            <a:r>
-              <a:rPr b="1" lang="ru-RU" sz="1200" spc="-1" strike="noStrike">
-                <a:solidFill>
-                  <a:srgbClr val="000000"/>
-                </a:solidFill>
-                <a:latin typeface="JetBrains Mono"/>
-                <a:ea typeface="JetBrains Mono"/>
-              </a:rPr>
-              <a:t>Test </a:t>
+              <a:t>CalcualtorUtilsTest </a:t>
             </a:r>
             <a:r>
               <a:rPr b="1" lang="ru-RU" sz="1200" spc="-1" strike="noStrike">
@@ -16704,17 +16663,7 @@
                 <a:latin typeface="JetBrains Mono"/>
                 <a:ea typeface="JetBrains Mono"/>
               </a:rPr>
-              <a:t>CalcualtorUt</a:t>
-            </a:r>
-            <a:r>
-              <a:rPr b="1" lang="ru-RU" sz="1200" spc="-1" strike="noStrike">
-                <a:solidFill>
-                  <a:srgbClr val="000000"/>
-                </a:solidFill>
-                <a:latin typeface="JetBrains Mono"/>
-                <a:ea typeface="JetBrains Mono"/>
-              </a:rPr>
-              <a:t>ils </a:t>
+              <a:t>CalcualtorUtils </a:t>
             </a:r>
             <a:r>
               <a:rPr b="1" lang="ru-RU" sz="1200" spc="-1" strike="noStrike">
@@ -16879,57 +16828,37 @@
                 <a:latin typeface="JetBrains Mono"/>
                 <a:ea typeface="JetBrains Mono"/>
               </a:rPr>
-              <a:t>calcualtor</a:t>
+              <a:t>calcualtorUtils </a:t>
             </a:r>
             <a:r>
               <a:rPr b="1" lang="ru-RU" sz="1200" spc="-1" strike="noStrike">
                 <a:solidFill>
-                  <a:srgbClr val="871094"/>
-                </a:solidFill>
-                <a:latin typeface="JetBrains Mono"/>
-                <a:ea typeface="JetBrains Mono"/>
-              </a:rPr>
-              <a:t>Utils </a:t>
+                  <a:srgbClr val="080808"/>
+                </a:solidFill>
+                <a:latin typeface="JetBrains Mono"/>
+                <a:ea typeface="JetBrains Mono"/>
+              </a:rPr>
+              <a:t>= </a:t>
             </a:r>
             <a:r>
               <a:rPr b="1" lang="ru-RU" sz="1200" spc="-1" strike="noStrike">
                 <a:solidFill>
+                  <a:srgbClr val="0033b3"/>
+                </a:solidFill>
+                <a:latin typeface="JetBrains Mono"/>
+                <a:ea typeface="JetBrains Mono"/>
+              </a:rPr>
+              <a:t>new </a:t>
+            </a:r>
+            <a:r>
+              <a:rPr b="1" lang="ru-RU" sz="1200" spc="-1" strike="noStrike">
+                <a:solidFill>
                   <a:srgbClr val="080808"/>
                 </a:solidFill>
                 <a:latin typeface="JetBrains Mono"/>
                 <a:ea typeface="JetBrains Mono"/>
               </a:rPr>
-              <a:t>= </a:t>
-            </a:r>
-            <a:r>
-              <a:rPr b="1" lang="ru-RU" sz="1200" spc="-1" strike="noStrike">
-                <a:solidFill>
-                  <a:srgbClr val="0033b3"/>
-                </a:solidFill>
-                <a:latin typeface="JetBrains Mono"/>
-                <a:ea typeface="JetBrains Mono"/>
-              </a:rPr>
-              <a:t>new </a:t>
-            </a:r>
-            <a:r>
-              <a:rPr b="1" lang="ru-RU" sz="1200" spc="-1" strike="noStrike">
-                <a:solidFill>
-                  <a:srgbClr val="080808"/>
-                </a:solidFill>
-                <a:latin typeface="JetBrains Mono"/>
-                <a:ea typeface="JetBrains Mono"/>
-              </a:rPr>
-              <a:t>CalcualtorUtils</a:t>
-            </a:r>
-            <a:r>
-              <a:rPr b="1" lang="ru-RU" sz="1200" spc="-1" strike="noStrike">
-                <a:solidFill>
-                  <a:srgbClr val="080808"/>
-                </a:solidFill>
-                <a:latin typeface="JetBrains Mono"/>
-                <a:ea typeface="JetBrains Mono"/>
-              </a:rPr>
-              <a:t>();</a:t>
+              <a:t>CalcualtorUtils();</a:t>
             </a:r>
             <a:br/>
             <a:r>
@@ -17115,27 +17044,37 @@
                 <a:latin typeface="JetBrains Mono"/>
                 <a:ea typeface="JetBrains Mono"/>
               </a:rPr>
-              <a:t>assertEq</a:t>
-            </a:r>
-            <a:r>
-              <a:rPr b="1" i="1" lang="ru-RU" sz="1200" spc="-1" strike="noStrike">
+              <a:t>assertEquals</a:t>
+            </a:r>
+            <a:r>
+              <a:rPr b="1" lang="ru-RU" sz="1200" spc="-1" strike="noStrike">
                 <a:solidFill>
                   <a:srgbClr val="080808"/>
                 </a:solidFill>
                 <a:latin typeface="JetBrains Mono"/>
                 <a:ea typeface="JetBrains Mono"/>
               </a:rPr>
-              <a:t>uals</a:t>
+              <a:t>((</a:t>
             </a:r>
             <a:r>
               <a:rPr b="1" lang="ru-RU" sz="1200" spc="-1" strike="noStrike">
                 <a:solidFill>
+                  <a:srgbClr val="871094"/>
+                </a:solidFill>
+                <a:latin typeface="JetBrains Mono"/>
+                <a:ea typeface="JetBrains Mono"/>
+              </a:rPr>
+              <a:t>a</a:t>
+            </a:r>
+            <a:r>
+              <a:rPr b="1" lang="ru-RU" sz="1200" spc="-1" strike="noStrike">
+                <a:solidFill>
                   <a:srgbClr val="080808"/>
                 </a:solidFill>
                 <a:latin typeface="JetBrains Mono"/>
                 <a:ea typeface="JetBrains Mono"/>
               </a:rPr>
-              <a:t>((</a:t>
+              <a:t>+</a:t>
             </a:r>
             <a:r>
               <a:rPr b="1" lang="ru-RU" sz="1200" spc="-1" strike="noStrike">
@@ -17145,7 +17084,7 @@
                 <a:latin typeface="JetBrains Mono"/>
                 <a:ea typeface="JetBrains Mono"/>
               </a:rPr>
-              <a:t>a</a:t>
+              <a:t>b</a:t>
             </a:r>
             <a:r>
               <a:rPr b="1" lang="ru-RU" sz="1200" spc="-1" strike="noStrike">
@@ -17155,7 +17094,7 @@
                 <a:latin typeface="JetBrains Mono"/>
                 <a:ea typeface="JetBrains Mono"/>
               </a:rPr>
-              <a:t>+</a:t>
+              <a:t>),</a:t>
             </a:r>
             <a:r>
               <a:rPr b="1" lang="ru-RU" sz="1200" spc="-1" strike="noStrike">
@@ -17165,7 +17104,7 @@
                 <a:latin typeface="JetBrains Mono"/>
                 <a:ea typeface="JetBrains Mono"/>
               </a:rPr>
-              <a:t>b</a:t>
+              <a:t>calcualtorUtils</a:t>
             </a:r>
             <a:r>
               <a:rPr b="1" lang="ru-RU" sz="1200" spc="-1" strike="noStrike">
@@ -17175,47 +17114,7 @@
                 <a:latin typeface="JetBrains Mono"/>
                 <a:ea typeface="JetBrains Mono"/>
               </a:rPr>
-              <a:t>),</a:t>
-            </a:r>
-            <a:r>
-              <a:rPr b="1" lang="ru-RU" sz="1200" spc="-1" strike="noStrike">
-                <a:solidFill>
-                  <a:srgbClr val="871094"/>
-                </a:solidFill>
-                <a:latin typeface="JetBrains Mono"/>
-                <a:ea typeface="JetBrains Mono"/>
-              </a:rPr>
-              <a:t>calc</a:t>
-            </a:r>
-            <a:r>
-              <a:rPr b="1" lang="ru-RU" sz="1200" spc="-1" strike="noStrike">
-                <a:solidFill>
-                  <a:srgbClr val="871094"/>
-                </a:solidFill>
-                <a:latin typeface="JetBrains Mono"/>
-                <a:ea typeface="JetBrains Mono"/>
-              </a:rPr>
-              <a:t>ualtorUtils</a:t>
-            </a:r>
-            <a:r>
-              <a:rPr b="1" lang="ru-RU" sz="1200" spc="-1" strike="noStrike">
-                <a:solidFill>
-                  <a:srgbClr val="080808"/>
-                </a:solidFill>
-                <a:latin typeface="JetBrains Mono"/>
-                <a:ea typeface="JetBrains Mono"/>
-              </a:rPr>
-              <a:t>.add</a:t>
-            </a:r>
-            <a:r>
-              <a:rPr b="1" lang="ru-RU" sz="1200" spc="-1" strike="noStrike">
-                <a:solidFill>
-                  <a:srgbClr val="080808"/>
-                </a:solidFill>
-                <a:latin typeface="JetBrains Mono"/>
-                <a:ea typeface="JetBrains Mono"/>
-              </a:rPr>
-              <a:t>(</a:t>
+              <a:t>.add(</a:t>
             </a:r>
             <a:r>
               <a:rPr b="1" lang="ru-RU" sz="1200" spc="-1" strike="noStrike">
@@ -17351,27 +17250,37 @@
                 <a:latin typeface="JetBrains Mono"/>
                 <a:ea typeface="JetBrains Mono"/>
               </a:rPr>
-              <a:t>assertEq</a:t>
-            </a:r>
-            <a:r>
-              <a:rPr b="1" i="1" lang="ru-RU" sz="1200" spc="-1" strike="noStrike">
+              <a:t>assertEquals</a:t>
+            </a:r>
+            <a:r>
+              <a:rPr b="1" lang="ru-RU" sz="1200" spc="-1" strike="noStrike">
                 <a:solidFill>
                   <a:srgbClr val="080808"/>
                 </a:solidFill>
                 <a:latin typeface="JetBrains Mono"/>
                 <a:ea typeface="JetBrains Mono"/>
               </a:rPr>
-              <a:t>uals</a:t>
+              <a:t>((</a:t>
             </a:r>
             <a:r>
               <a:rPr b="1" lang="ru-RU" sz="1200" spc="-1" strike="noStrike">
                 <a:solidFill>
+                  <a:srgbClr val="871094"/>
+                </a:solidFill>
+                <a:latin typeface="JetBrains Mono"/>
+                <a:ea typeface="JetBrains Mono"/>
+              </a:rPr>
+              <a:t>a</a:t>
+            </a:r>
+            <a:r>
+              <a:rPr b="1" lang="ru-RU" sz="1200" spc="-1" strike="noStrike">
+                <a:solidFill>
                   <a:srgbClr val="080808"/>
                 </a:solidFill>
                 <a:latin typeface="JetBrains Mono"/>
                 <a:ea typeface="JetBrains Mono"/>
               </a:rPr>
-              <a:t>((</a:t>
+              <a:t>-</a:t>
             </a:r>
             <a:r>
               <a:rPr b="1" lang="ru-RU" sz="1200" spc="-1" strike="noStrike">
@@ -17381,7 +17290,7 @@
                 <a:latin typeface="JetBrains Mono"/>
                 <a:ea typeface="JetBrains Mono"/>
               </a:rPr>
-              <a:t>a</a:t>
+              <a:t>b</a:t>
             </a:r>
             <a:r>
               <a:rPr b="1" lang="ru-RU" sz="1200" spc="-1" strike="noStrike">
@@ -17391,7 +17300,7 @@
                 <a:latin typeface="JetBrains Mono"/>
                 <a:ea typeface="JetBrains Mono"/>
               </a:rPr>
-              <a:t>-</a:t>
+              <a:t>),</a:t>
             </a:r>
             <a:r>
               <a:rPr b="1" lang="ru-RU" sz="1200" spc="-1" strike="noStrike">
@@ -17401,37 +17310,7 @@
                 <a:latin typeface="JetBrains Mono"/>
                 <a:ea typeface="JetBrains Mono"/>
               </a:rPr>
-              <a:t>b</a:t>
-            </a:r>
-            <a:r>
-              <a:rPr b="1" lang="ru-RU" sz="1200" spc="-1" strike="noStrike">
-                <a:solidFill>
-                  <a:srgbClr val="080808"/>
-                </a:solidFill>
-                <a:latin typeface="JetBrains Mono"/>
-                <a:ea typeface="JetBrains Mono"/>
-              </a:rPr>
-              <a:t>),</a:t>
-            </a:r>
-            <a:r>
-              <a:rPr b="1" lang="ru-RU" sz="1200" spc="-1" strike="noStrike">
-                <a:solidFill>
-                  <a:srgbClr val="871094"/>
-                </a:solidFill>
-                <a:latin typeface="JetBrains Mono"/>
-                <a:ea typeface="JetBrains Mono"/>
-              </a:rPr>
-              <a:t>calcualtorUt</a:t>
-            </a:r>
-            <a:r>
-              <a:rPr b="1" lang="ru-RU" sz="1200" spc="-1" strike="noStrike">
-                <a:solidFill>
-                  <a:srgbClr val="871094"/>
-                </a:solidFill>
-                <a:latin typeface="JetBrains Mono"/>
-                <a:ea typeface="JetBrains Mono"/>
-              </a:rPr>
-              <a:t>ils</a:t>
+              <a:t>calcualtorUtils</a:t>
             </a:r>
             <a:r>
               <a:rPr b="1" lang="ru-RU" sz="1200" spc="-1" strike="noStrike">
@@ -17521,7 +17400,7 @@
         <p:spPr>
           <a:xfrm>
             <a:off x="4788000" y="1656000"/>
-            <a:ext cx="4356000" cy="2484000"/>
+            <a:ext cx="4355640" cy="2483640"/>
           </a:xfrm>
           <a:custGeom>
             <a:avLst/>
@@ -17567,6 +17446,11 @@
             <a:noAutofit/>
           </a:bodyPr>
           <a:p>
+            <a:pPr>
+              <a:lnSpc>
+                <a:spcPct val="100000"/>
+              </a:lnSpc>
+            </a:pPr>
             <a:br/>
             <a:br/>
             <a:r>
@@ -17794,6 +17678,36 @@
               </a:rPr>
               <a:t>@Test</a:t>
             </a:r>
+            <a:r>
+              <a:rPr b="1" lang="ru-RU" sz="1100" spc="-1" strike="noStrike">
+                <a:solidFill>
+                  <a:srgbClr val="000000"/>
+                </a:solidFill>
+                <a:latin typeface="JetBrains Mono"/>
+                <a:ea typeface="JetBrains Mono"/>
+              </a:rPr>
+              <a:t>(expected = </a:t>
+            </a:r>
+            <a:r>
+              <a:rPr b="1" lang="ru-RU" sz="1100" spc="-1" strike="noStrike">
+                <a:solidFill>
+                  <a:srgbClr val="ff8000"/>
+                </a:solidFill>
+                <a:latin typeface="JetBrains Mono"/>
+                <a:ea typeface="JetBrains Mono"/>
+              </a:rPr>
+              <a:t>Exception</a:t>
+            </a:r>
+            <a:r>
+              <a:rPr b="1" lang="ru-RU" sz="1100" spc="-1" strike="noStrike">
+                <a:solidFill>
+                  <a:srgbClr val="000000"/>
+                </a:solidFill>
+                <a:latin typeface="JetBrains Mono"/>
+                <a:ea typeface="JetBrains Mono"/>
+              </a:rPr>
+              <a:t>.class)</a:t>
+            </a:r>
             <a:br/>
             <a:r>
               <a:rPr b="1" lang="ru-RU" sz="1100" spc="-1" strike="noStrike">
@@ -17845,212 +17759,6 @@
                 <a:ea typeface="JetBrains Mono"/>
               </a:rPr>
               <a:t>        </a:t>
-            </a:r>
-            <a:r>
-              <a:rPr b="1" i="1" lang="ru-RU" sz="1100" spc="-1" strike="noStrike">
-                <a:solidFill>
-                  <a:srgbClr val="080808"/>
-                </a:solidFill>
-                <a:latin typeface="JetBrains Mono"/>
-                <a:ea typeface="JetBrains Mono"/>
-              </a:rPr>
-              <a:t>assertEquals</a:t>
-            </a:r>
-            <a:r>
-              <a:rPr b="1" lang="ru-RU" sz="1100" spc="-1" strike="noStrike">
-                <a:solidFill>
-                  <a:srgbClr val="080808"/>
-                </a:solidFill>
-                <a:latin typeface="JetBrains Mono"/>
-                <a:ea typeface="JetBrains Mono"/>
-              </a:rPr>
-              <a:t>((</a:t>
-            </a:r>
-            <a:r>
-              <a:rPr b="1" lang="ru-RU" sz="1100" spc="-1" strike="noStrike">
-                <a:solidFill>
-                  <a:srgbClr val="871094"/>
-                </a:solidFill>
-                <a:latin typeface="JetBrains Mono"/>
-                <a:ea typeface="JetBrains Mono"/>
-              </a:rPr>
-              <a:t>a</a:t>
-            </a:r>
-            <a:r>
-              <a:rPr b="1" lang="ru-RU" sz="1100" spc="-1" strike="noStrike">
-                <a:solidFill>
-                  <a:srgbClr val="080808"/>
-                </a:solidFill>
-                <a:latin typeface="JetBrains Mono"/>
-                <a:ea typeface="JetBrains Mono"/>
-              </a:rPr>
-              <a:t>/</a:t>
-            </a:r>
-            <a:r>
-              <a:rPr b="1" lang="ru-RU" sz="1100" spc="-1" strike="noStrike">
-                <a:solidFill>
-                  <a:srgbClr val="871094"/>
-                </a:solidFill>
-                <a:latin typeface="JetBrains Mono"/>
-                <a:ea typeface="JetBrains Mono"/>
-              </a:rPr>
-              <a:t>b</a:t>
-            </a:r>
-            <a:r>
-              <a:rPr b="1" lang="ru-RU" sz="1100" spc="-1" strike="noStrike">
-                <a:solidFill>
-                  <a:srgbClr val="080808"/>
-                </a:solidFill>
-                <a:latin typeface="JetBrains Mono"/>
-                <a:ea typeface="JetBrains Mono"/>
-              </a:rPr>
-              <a:t>),</a:t>
-            </a:r>
-            <a:r>
-              <a:rPr b="1" lang="ru-RU" sz="1100" spc="-1" strike="noStrike">
-                <a:solidFill>
-                  <a:srgbClr val="871094"/>
-                </a:solidFill>
-                <a:latin typeface="JetBrains Mono"/>
-                <a:ea typeface="JetBrains Mono"/>
-              </a:rPr>
-              <a:t>calcualtorUtils</a:t>
-            </a:r>
-            <a:r>
-              <a:rPr b="1" lang="ru-RU" sz="1100" spc="-1" strike="noStrike">
-                <a:solidFill>
-                  <a:srgbClr val="080808"/>
-                </a:solidFill>
-                <a:latin typeface="JetBrains Mono"/>
-                <a:ea typeface="JetBrains Mono"/>
-              </a:rPr>
-              <a:t>.divide(</a:t>
-            </a:r>
-            <a:r>
-              <a:rPr b="1" lang="ru-RU" sz="1100" spc="-1" strike="noStrike">
-                <a:solidFill>
-                  <a:srgbClr val="871094"/>
-                </a:solidFill>
-                <a:latin typeface="JetBrains Mono"/>
-                <a:ea typeface="JetBrains Mono"/>
-              </a:rPr>
-              <a:t>a</a:t>
-            </a:r>
-            <a:r>
-              <a:rPr b="1" lang="ru-RU" sz="1100" spc="-1" strike="noStrike">
-                <a:solidFill>
-                  <a:srgbClr val="080808"/>
-                </a:solidFill>
-                <a:latin typeface="JetBrains Mono"/>
-                <a:ea typeface="JetBrains Mono"/>
-              </a:rPr>
-              <a:t>,</a:t>
-            </a:r>
-            <a:r>
-              <a:rPr b="1" lang="ru-RU" sz="1100" spc="-1" strike="noStrike">
-                <a:solidFill>
-                  <a:srgbClr val="871094"/>
-                </a:solidFill>
-                <a:latin typeface="JetBrains Mono"/>
-                <a:ea typeface="JetBrains Mono"/>
-              </a:rPr>
-              <a:t>b</a:t>
-            </a:r>
-            <a:r>
-              <a:rPr b="1" lang="ru-RU" sz="1100" spc="-1" strike="noStrike">
-                <a:solidFill>
-                  <a:srgbClr val="080808"/>
-                </a:solidFill>
-                <a:latin typeface="JetBrains Mono"/>
-                <a:ea typeface="JetBrains Mono"/>
-              </a:rPr>
-              <a:t>));</a:t>
-            </a:r>
-            <a:br/>
-            <a:r>
-              <a:rPr b="1" lang="ru-RU" sz="1100" spc="-1" strike="noStrike">
-                <a:solidFill>
-                  <a:srgbClr val="080808"/>
-                </a:solidFill>
-                <a:latin typeface="JetBrains Mono"/>
-                <a:ea typeface="JetBrains Mono"/>
-              </a:rPr>
-              <a:t>        </a:t>
-            </a:r>
-            <a:r>
-              <a:rPr b="1" i="1" lang="ru-RU" sz="1100" spc="-1" strike="noStrike">
-                <a:solidFill>
-                  <a:srgbClr val="080808"/>
-                </a:solidFill>
-                <a:latin typeface="JetBrains Mono"/>
-                <a:ea typeface="JetBrains Mono"/>
-              </a:rPr>
-              <a:t>assertThrows</a:t>
-            </a:r>
-            <a:r>
-              <a:rPr b="1" lang="ru-RU" sz="1100" spc="-1" strike="noStrike">
-                <a:solidFill>
-                  <a:srgbClr val="080808"/>
-                </a:solidFill>
-                <a:latin typeface="JetBrains Mono"/>
-                <a:ea typeface="JetBrains Mono"/>
-              </a:rPr>
-              <a:t>(</a:t>
-            </a:r>
-            <a:r>
-              <a:rPr b="1" lang="ru-RU" sz="1100" spc="-1" strike="noStrike">
-                <a:solidFill>
-                  <a:srgbClr val="000000"/>
-                </a:solidFill>
-                <a:latin typeface="JetBrains Mono"/>
-                <a:ea typeface="JetBrains Mono"/>
-              </a:rPr>
-              <a:t>ArithmeticException</a:t>
-            </a:r>
-            <a:r>
-              <a:rPr b="1" lang="ru-RU" sz="1100" spc="-1" strike="noStrike">
-                <a:solidFill>
-                  <a:srgbClr val="080808"/>
-                </a:solidFill>
-                <a:latin typeface="JetBrains Mono"/>
-                <a:ea typeface="JetBrains Mono"/>
-              </a:rPr>
-              <a:t>.</a:t>
-            </a:r>
-            <a:r>
-              <a:rPr b="1" lang="ru-RU" sz="1100" spc="-1" strike="noStrike">
-                <a:solidFill>
-                  <a:srgbClr val="0033b3"/>
-                </a:solidFill>
-                <a:latin typeface="JetBrains Mono"/>
-                <a:ea typeface="JetBrains Mono"/>
-              </a:rPr>
-              <a:t>class</a:t>
-            </a:r>
-            <a:r>
-              <a:rPr b="1" lang="ru-RU" sz="1100" spc="-1" strike="noStrike">
-                <a:solidFill>
-                  <a:srgbClr val="080808"/>
-                </a:solidFill>
-                <a:latin typeface="JetBrains Mono"/>
-                <a:ea typeface="JetBrains Mono"/>
-              </a:rPr>
-              <a:t>,</a:t>
-            </a:r>
-            <a:endParaRPr b="0" lang="ru-RU" sz="1100" spc="-1" strike="noStrike">
-              <a:latin typeface="Arial"/>
-            </a:endParaRPr>
-          </a:p>
-          <a:p>
-            <a:r>
-              <a:rPr b="1" lang="ru-RU" sz="1100" spc="-1" strike="noStrike">
-                <a:solidFill>
-                  <a:srgbClr val="080808"/>
-                </a:solidFill>
-                <a:latin typeface="JetBrains Mono"/>
-                <a:ea typeface="JetBrains Mono"/>
-              </a:rPr>
-              <a:t>()-&gt;</a:t>
             </a:r>
             <a:r>
               <a:rPr b="1" lang="ru-RU" sz="1100" spc="-1" strike="noStrike">
@@ -18184,7 +17892,7 @@
         <p:spPr>
           <a:xfrm>
             <a:off x="2238840" y="2116440"/>
-            <a:ext cx="5648760" cy="2930040"/>
+            <a:ext cx="5648400" cy="2929680"/>
           </a:xfrm>
           <a:prstGeom prst="rect">
             <a:avLst/>
@@ -18203,7 +17911,7 @@
         <p:spPr>
           <a:xfrm>
             <a:off x="1694880" y="3293280"/>
-            <a:ext cx="820800" cy="213840"/>
+            <a:ext cx="820440" cy="213480"/>
           </a:xfrm>
           <a:custGeom>
             <a:avLst/>
@@ -18246,7 +17954,7 @@
         <p:spPr>
           <a:xfrm>
             <a:off x="362520" y="2937960"/>
-            <a:ext cx="1664640" cy="295560"/>
+            <a:ext cx="1664280" cy="295200"/>
           </a:xfrm>
           <a:prstGeom prst="rect">
             <a:avLst/>
@@ -18300,7 +18008,7 @@
         <p:spPr>
           <a:xfrm>
             <a:off x="1509840" y="1976040"/>
-            <a:ext cx="998280" cy="709560"/>
+            <a:ext cx="997920" cy="709200"/>
           </a:xfrm>
           <a:custGeom>
             <a:avLst/>
@@ -18343,7 +18051,7 @@
         <p:spPr>
           <a:xfrm>
             <a:off x="449640" y="1310040"/>
-            <a:ext cx="1490760" cy="865080"/>
+            <a:ext cx="1490400" cy="864720"/>
           </a:xfrm>
           <a:prstGeom prst="rect">
             <a:avLst/>
@@ -18397,7 +18105,7 @@
         <p:spPr>
           <a:xfrm flipH="1">
             <a:off x="7126200" y="3345120"/>
-            <a:ext cx="1338840" cy="517320"/>
+            <a:ext cx="1338480" cy="516960"/>
           </a:xfrm>
           <a:custGeom>
             <a:avLst/>
@@ -18440,7 +18148,7 @@
         <p:spPr>
           <a:xfrm>
             <a:off x="7900920" y="2686320"/>
-            <a:ext cx="1242360" cy="1409760"/>
+            <a:ext cx="1242000" cy="1409400"/>
           </a:xfrm>
           <a:prstGeom prst="rect">
             <a:avLst/>
@@ -18507,7 +18215,7 @@
         <p:spPr>
           <a:xfrm flipH="1">
             <a:off x="5897880" y="3260520"/>
-            <a:ext cx="280440" cy="628560"/>
+            <a:ext cx="280080" cy="628200"/>
           </a:xfrm>
           <a:custGeom>
             <a:avLst/>
@@ -18550,7 +18258,7 @@
         <p:spPr>
           <a:xfrm>
             <a:off x="5691240" y="2638800"/>
-            <a:ext cx="1205640" cy="754200"/>
+            <a:ext cx="1205280" cy="753840"/>
           </a:xfrm>
           <a:prstGeom prst="rect">
             <a:avLst/>
